--- a/DegenderisePresentation.pptx
+++ b/DegenderisePresentation.pptx
@@ -7,13 +7,14 @@
   <p:sldIdLst>
     <p:sldId id="256" r:id="rId2"/>
     <p:sldId id="263" r:id="rId3"/>
-    <p:sldId id="264" r:id="rId4"/>
-    <p:sldId id="268" r:id="rId5"/>
-    <p:sldId id="267" r:id="rId6"/>
-    <p:sldId id="265" r:id="rId7"/>
-    <p:sldId id="266" r:id="rId8"/>
-    <p:sldId id="269" r:id="rId9"/>
-    <p:sldId id="262" r:id="rId10"/>
+    <p:sldId id="270" r:id="rId4"/>
+    <p:sldId id="264" r:id="rId5"/>
+    <p:sldId id="268" r:id="rId6"/>
+    <p:sldId id="267" r:id="rId7"/>
+    <p:sldId id="265" r:id="rId8"/>
+    <p:sldId id="266" r:id="rId9"/>
+    <p:sldId id="269" r:id="rId10"/>
+    <p:sldId id="262" r:id="rId11"/>
   </p:sldIdLst>
   <p:sldSz cx="12192000" cy="6858000"/>
   <p:notesSz cx="6858000" cy="9144000"/>
@@ -112,6 +113,11 @@
       </a:defRPr>
     </a:lvl9pPr>
   </p:defaultTextStyle>
+  <p:extLst>
+    <p:ext uri="{EFAFB233-063F-42B5-8137-9DF3F51BA10A}">
+      <p15:sldGuideLst xmlns:p15="http://schemas.microsoft.com/office/powerpoint/2012/main"/>
+    </p:ext>
+  </p:extLst>
 </p:presentation>
 </file>
 
@@ -3463,6 +3469,149 @@
 </p:sld>
 </file>
 
+<file path=ppt/slides/slide10.xml><?xml version="1.0" encoding="utf-8"?>
+<p:sld xmlns:a="http://schemas.openxmlformats.org/drawingml/2006/main" xmlns:r="http://schemas.openxmlformats.org/officeDocument/2006/relationships" xmlns:p="http://schemas.openxmlformats.org/presentationml/2006/main">
+  <p:cSld>
+    <p:spTree>
+      <p:nvGrpSpPr>
+        <p:cNvPr id="1" name=""/>
+        <p:cNvGrpSpPr/>
+        <p:nvPr/>
+      </p:nvGrpSpPr>
+      <p:grpSpPr>
+        <a:xfrm>
+          <a:off x="0" y="0"/>
+          <a:ext cx="0" cy="0"/>
+          <a:chOff x="0" y="0"/>
+          <a:chExt cx="0" cy="0"/>
+        </a:xfrm>
+      </p:grpSpPr>
+      <p:pic>
+        <p:nvPicPr>
+          <p:cNvPr id="5" name="Content Placeholder 4" descr="A close up of a logo&#10;&#10;Description automatically generated">
+            <a:extLst>
+              <a:ext uri="{FF2B5EF4-FFF2-40B4-BE49-F238E27FC236}">
+                <a16:creationId xmlns:a16="http://schemas.microsoft.com/office/drawing/2014/main" id="{7A92F20D-C5DC-4908-AE42-B6D55419E9F3}"/>
+              </a:ext>
+            </a:extLst>
+          </p:cNvPr>
+          <p:cNvPicPr>
+            <a:picLocks noGrp="1" noChangeAspect="1"/>
+          </p:cNvPicPr>
+          <p:nvPr>
+            <p:ph idx="1"/>
+          </p:nvPr>
+        </p:nvPicPr>
+        <p:blipFill>
+          <a:blip r:embed="rId2">
+            <a:extLst>
+              <a:ext uri="{28A0092B-C50C-407E-A947-70E740481C1C}">
+                <a14:useLocalDpi xmlns:a14="http://schemas.microsoft.com/office/drawing/2010/main" val="0"/>
+              </a:ext>
+            </a:extLst>
+          </a:blip>
+          <a:stretch>
+            <a:fillRect/>
+          </a:stretch>
+        </p:blipFill>
+        <p:spPr>
+          <a:xfrm>
+            <a:off x="-1" y="0"/>
+            <a:ext cx="12192001" cy="6858000"/>
+          </a:xfrm>
+        </p:spPr>
+      </p:pic>
+      <p:sp>
+        <p:nvSpPr>
+          <p:cNvPr id="2" name="Title 1">
+            <a:extLst>
+              <a:ext uri="{FF2B5EF4-FFF2-40B4-BE49-F238E27FC236}">
+                <a16:creationId xmlns:a16="http://schemas.microsoft.com/office/drawing/2014/main" id="{EB4C5B07-FC18-4BA1-A182-8F0ED9B27CDF}"/>
+              </a:ext>
+            </a:extLst>
+          </p:cNvPr>
+          <p:cNvSpPr>
+            <a:spLocks noGrp="1"/>
+          </p:cNvSpPr>
+          <p:nvPr>
+            <p:ph type="title"/>
+          </p:nvPr>
+        </p:nvSpPr>
+        <p:spPr/>
+        <p:txBody>
+          <a:bodyPr/>
+          <a:lstStyle/>
+          <a:p>
+            <a:r>
+              <a:rPr lang="en-GB" dirty="0">
+                <a:solidFill>
+                  <a:schemeClr val="accent1">
+                    <a:lumMod val="20000"/>
+                    <a:lumOff val="80000"/>
+                  </a:schemeClr>
+                </a:solidFill>
+              </a:rPr>
+              <a:t>Future Works</a:t>
+            </a:r>
+          </a:p>
+        </p:txBody>
+      </p:sp>
+      <p:sp>
+        <p:nvSpPr>
+          <p:cNvPr id="4" name="TextBox 3">
+            <a:extLst>
+              <a:ext uri="{FF2B5EF4-FFF2-40B4-BE49-F238E27FC236}">
+                <a16:creationId xmlns:a16="http://schemas.microsoft.com/office/drawing/2014/main" id="{62C1EAA7-5808-45E0-9C62-CD97A1B3464B}"/>
+              </a:ext>
+            </a:extLst>
+          </p:cNvPr>
+          <p:cNvSpPr txBox="1"/>
+          <p:nvPr/>
+        </p:nvSpPr>
+        <p:spPr>
+          <a:xfrm>
+            <a:off x="838199" y="2055813"/>
+            <a:ext cx="10515599" cy="584775"/>
+          </a:xfrm>
+          <a:prstGeom prst="rect">
+            <a:avLst/>
+          </a:prstGeom>
+          <a:noFill/>
+        </p:spPr>
+        <p:txBody>
+          <a:bodyPr wrap="square" rtlCol="0">
+            <a:spAutoFit/>
+          </a:bodyPr>
+          <a:lstStyle/>
+          <a:p>
+            <a:pPr algn="l"/>
+            <a:r>
+              <a:rPr lang="en-GB" sz="3200" dirty="0">
+                <a:solidFill>
+                  <a:schemeClr val="accent1">
+                    <a:lumMod val="20000"/>
+                    <a:lumOff val="80000"/>
+                  </a:schemeClr>
+                </a:solidFill>
+              </a:rPr>
+              <a:t>What we plan to do next</a:t>
+            </a:r>
+          </a:p>
+        </p:txBody>
+      </p:sp>
+    </p:spTree>
+    <p:extLst>
+      <p:ext uri="{BB962C8B-B14F-4D97-AF65-F5344CB8AC3E}">
+        <p14:creationId xmlns:p14="http://schemas.microsoft.com/office/powerpoint/2010/main" val="1019578650"/>
+      </p:ext>
+    </p:extLst>
+  </p:cSld>
+  <p:clrMapOvr>
+    <a:masterClrMapping/>
+  </p:clrMapOvr>
+</p:sld>
+</file>
+
 <file path=ppt/slides/slide2.xml><?xml version="1.0" encoding="utf-8"?>
 <p:sld xmlns:a="http://schemas.openxmlformats.org/drawingml/2006/main" xmlns:r="http://schemas.openxmlformats.org/officeDocument/2006/relationships" xmlns:p="http://schemas.openxmlformats.org/presentationml/2006/main">
   <p:cSld>
@@ -3687,17 +3836,17 @@
                   </a:schemeClr>
                 </a:solidFill>
               </a:rPr>
-              <a:t>A Solution</a:t>
-            </a:r>
-          </a:p>
-        </p:txBody>
-      </p:sp>
-      <p:sp>
-        <p:nvSpPr>
-          <p:cNvPr id="3" name="TextBox 2">
-            <a:extLst>
-              <a:ext uri="{FF2B5EF4-FFF2-40B4-BE49-F238E27FC236}">
-                <a16:creationId xmlns:a16="http://schemas.microsoft.com/office/drawing/2014/main" id="{43EF2504-4EED-4B46-9201-F96D7AA1FE99}"/>
+              <a:t>The Problem</a:t>
+            </a:r>
+          </a:p>
+        </p:txBody>
+      </p:sp>
+      <p:sp>
+        <p:nvSpPr>
+          <p:cNvPr id="6" name="TextBox 5">
+            <a:extLst>
+              <a:ext uri="{FF2B5EF4-FFF2-40B4-BE49-F238E27FC236}">
+                <a16:creationId xmlns:a16="http://schemas.microsoft.com/office/drawing/2014/main" id="{F8F95479-FDBE-449B-839D-6DC40DF6521E}"/>
               </a:ext>
             </a:extLst>
           </p:cNvPr>
@@ -3707,7 +3856,7 @@
         <p:spPr>
           <a:xfrm>
             <a:off x="838199" y="2055813"/>
-            <a:ext cx="10515599" cy="584775"/>
+            <a:ext cx="10515601" cy="584775"/>
           </a:xfrm>
           <a:prstGeom prst="rect">
             <a:avLst/>
@@ -3720,7 +3869,6 @@
           </a:bodyPr>
           <a:lstStyle/>
           <a:p>
-            <a:pPr algn="l"/>
             <a:r>
               <a:rPr lang="en-GB" sz="3200" dirty="0">
                 <a:solidFill>
@@ -3730,15 +3878,45 @@
                   </a:schemeClr>
                 </a:solidFill>
               </a:rPr>
-              <a:t>Change resumes to hide gender</a:t>
-            </a:r>
-          </a:p>
-        </p:txBody>
-      </p:sp>
+              <a:t>Describe the problem at hand</a:t>
+            </a:r>
+          </a:p>
+        </p:txBody>
+      </p:sp>
+      <p:pic>
+        <p:nvPicPr>
+          <p:cNvPr id="3" name="Picture 2">
+            <a:extLst>
+              <a:ext uri="{FF2B5EF4-FFF2-40B4-BE49-F238E27FC236}">
+                <a16:creationId xmlns:a16="http://schemas.microsoft.com/office/drawing/2014/main" id="{2B2D6D00-25EB-5B41-9B6E-B4E7CDDD3F97}"/>
+              </a:ext>
+            </a:extLst>
+          </p:cNvPr>
+          <p:cNvPicPr>
+            <a:picLocks noChangeAspect="1"/>
+          </p:cNvPicPr>
+          <p:nvPr/>
+        </p:nvPicPr>
+        <p:blipFill>
+          <a:blip r:embed="rId3"/>
+          <a:stretch>
+            <a:fillRect/>
+          </a:stretch>
+        </p:blipFill>
+        <p:spPr>
+          <a:xfrm>
+            <a:off x="6896184" y="237819"/>
+            <a:ext cx="4695595" cy="6382362"/>
+          </a:xfrm>
+          <a:prstGeom prst="rect">
+            <a:avLst/>
+          </a:prstGeom>
+        </p:spPr>
+      </p:pic>
     </p:spTree>
     <p:extLst>
       <p:ext uri="{BB962C8B-B14F-4D97-AF65-F5344CB8AC3E}">
-        <p14:creationId xmlns:p14="http://schemas.microsoft.com/office/powerpoint/2010/main" val="333550167"/>
+        <p14:creationId xmlns:p14="http://schemas.microsoft.com/office/powerpoint/2010/main" val="677614962"/>
       </p:ext>
     </p:extLst>
   </p:cSld>
@@ -3830,17 +4008,17 @@
                   </a:schemeClr>
                 </a:solidFill>
               </a:rPr>
-              <a:t>Find Data</a:t>
-            </a:r>
-          </a:p>
-        </p:txBody>
-      </p:sp>
-      <p:sp>
-        <p:nvSpPr>
-          <p:cNvPr id="4" name="TextBox 3">
-            <a:extLst>
-              <a:ext uri="{FF2B5EF4-FFF2-40B4-BE49-F238E27FC236}">
-                <a16:creationId xmlns:a16="http://schemas.microsoft.com/office/drawing/2014/main" id="{47543942-D232-4F6A-93BB-FFAC456D5EDC}"/>
+              <a:t>A Solution</a:t>
+            </a:r>
+          </a:p>
+        </p:txBody>
+      </p:sp>
+      <p:sp>
+        <p:nvSpPr>
+          <p:cNvPr id="3" name="TextBox 2">
+            <a:extLst>
+              <a:ext uri="{FF2B5EF4-FFF2-40B4-BE49-F238E27FC236}">
+                <a16:creationId xmlns:a16="http://schemas.microsoft.com/office/drawing/2014/main" id="{43EF2504-4EED-4B46-9201-F96D7AA1FE99}"/>
               </a:ext>
             </a:extLst>
           </p:cNvPr>
@@ -3873,7 +4051,7 @@
                   </a:schemeClr>
                 </a:solidFill>
               </a:rPr>
-              <a:t>Find data sets of resumes</a:t>
+              <a:t>Change resumes to hide gender</a:t>
             </a:r>
           </a:p>
         </p:txBody>
@@ -3881,7 +4059,7 @@
     </p:spTree>
     <p:extLst>
       <p:ext uri="{BB962C8B-B14F-4D97-AF65-F5344CB8AC3E}">
-        <p14:creationId xmlns:p14="http://schemas.microsoft.com/office/powerpoint/2010/main" val="4173471296"/>
+        <p14:creationId xmlns:p14="http://schemas.microsoft.com/office/powerpoint/2010/main" val="333550167"/>
       </p:ext>
     </p:extLst>
   </p:cSld>
@@ -3965,17 +4143,6 @@
           <a:lstStyle/>
           <a:p>
             <a:r>
-              <a:rPr lang="en-GB" dirty="0" err="1">
-                <a:solidFill>
-                  <a:schemeClr val="accent1">
-                    <a:lumMod val="20000"/>
-                    <a:lumOff val="80000"/>
-                  </a:schemeClr>
-                </a:solidFill>
-              </a:rPr>
-              <a:t>Genderise</a:t>
-            </a:r>
-            <a:r>
               <a:rPr lang="en-GB" dirty="0">
                 <a:solidFill>
                   <a:schemeClr val="accent1">
@@ -3984,7 +4151,7 @@
                   </a:schemeClr>
                 </a:solidFill>
               </a:rPr>
-              <a:t> Them</a:t>
+              <a:t>Find Data</a:t>
             </a:r>
           </a:p>
         </p:txBody>
@@ -3994,7 +4161,7 @@
           <p:cNvPr id="4" name="TextBox 3">
             <a:extLst>
               <a:ext uri="{FF2B5EF4-FFF2-40B4-BE49-F238E27FC236}">
-                <a16:creationId xmlns:a16="http://schemas.microsoft.com/office/drawing/2014/main" id="{F61B611B-28A5-4EC5-8E76-C8EB4640D165}"/>
+                <a16:creationId xmlns:a16="http://schemas.microsoft.com/office/drawing/2014/main" id="{47543942-D232-4F6A-93BB-FFAC456D5EDC}"/>
               </a:ext>
             </a:extLst>
           </p:cNvPr>
@@ -4027,7 +4194,7 @@
                   </a:schemeClr>
                 </a:solidFill>
               </a:rPr>
-              <a:t>Work out gender of resumes</a:t>
+              <a:t>Find data sets of resumes</a:t>
             </a:r>
           </a:p>
         </p:txBody>
@@ -4035,7 +4202,7 @@
     </p:spTree>
     <p:extLst>
       <p:ext uri="{BB962C8B-B14F-4D97-AF65-F5344CB8AC3E}">
-        <p14:creationId xmlns:p14="http://schemas.microsoft.com/office/powerpoint/2010/main" val="3327776963"/>
+        <p14:creationId xmlns:p14="http://schemas.microsoft.com/office/powerpoint/2010/main" val="4173471296"/>
       </p:ext>
     </p:extLst>
   </p:cSld>
@@ -4119,6 +4286,17 @@
           <a:lstStyle/>
           <a:p>
             <a:r>
+              <a:rPr lang="en-GB" dirty="0" err="1">
+                <a:solidFill>
+                  <a:schemeClr val="accent1">
+                    <a:lumMod val="20000"/>
+                    <a:lumOff val="80000"/>
+                  </a:schemeClr>
+                </a:solidFill>
+              </a:rPr>
+              <a:t>Genderise</a:t>
+            </a:r>
+            <a:r>
               <a:rPr lang="en-GB" dirty="0">
                 <a:solidFill>
                   <a:schemeClr val="accent1">
@@ -4127,7 +4305,7 @@
                   </a:schemeClr>
                 </a:solidFill>
               </a:rPr>
-              <a:t>Train</a:t>
+              <a:t> Them</a:t>
             </a:r>
           </a:p>
         </p:txBody>
@@ -4137,7 +4315,7 @@
           <p:cNvPr id="4" name="TextBox 3">
             <a:extLst>
               <a:ext uri="{FF2B5EF4-FFF2-40B4-BE49-F238E27FC236}">
-                <a16:creationId xmlns:a16="http://schemas.microsoft.com/office/drawing/2014/main" id="{9E529465-F199-4B05-A1C2-0859688DC03A}"/>
+                <a16:creationId xmlns:a16="http://schemas.microsoft.com/office/drawing/2014/main" id="{F61B611B-28A5-4EC5-8E76-C8EB4640D165}"/>
               </a:ext>
             </a:extLst>
           </p:cNvPr>
@@ -4147,7 +4325,7 @@
         <p:spPr>
           <a:xfrm>
             <a:off x="838199" y="2055813"/>
-            <a:ext cx="10515599" cy="1077218"/>
+            <a:ext cx="10515599" cy="584775"/>
           </a:xfrm>
           <a:prstGeom prst="rect">
             <a:avLst/>
@@ -4170,7 +4348,7 @@
                   </a:schemeClr>
                 </a:solidFill>
               </a:rPr>
-              <a:t>Train a neural net with our data to classify based on gender, while picking out keywords</a:t>
+              <a:t>Work out gender of resumes</a:t>
             </a:r>
           </a:p>
         </p:txBody>
@@ -4178,7 +4356,7 @@
     </p:spTree>
     <p:extLst>
       <p:ext uri="{BB962C8B-B14F-4D97-AF65-F5344CB8AC3E}">
-        <p14:creationId xmlns:p14="http://schemas.microsoft.com/office/powerpoint/2010/main" val="229745582"/>
+        <p14:creationId xmlns:p14="http://schemas.microsoft.com/office/powerpoint/2010/main" val="3327776963"/>
       </p:ext>
     </p:extLst>
   </p:cSld>
@@ -4270,7 +4448,7 @@
                   </a:schemeClr>
                 </a:solidFill>
               </a:rPr>
-              <a:t>Weigh Importance</a:t>
+              <a:t>Train</a:t>
             </a:r>
           </a:p>
         </p:txBody>
@@ -4280,7 +4458,7 @@
           <p:cNvPr id="4" name="TextBox 3">
             <a:extLst>
               <a:ext uri="{FF2B5EF4-FFF2-40B4-BE49-F238E27FC236}">
-                <a16:creationId xmlns:a16="http://schemas.microsoft.com/office/drawing/2014/main" id="{72425679-6842-4C09-A951-92C5B4298500}"/>
+                <a16:creationId xmlns:a16="http://schemas.microsoft.com/office/drawing/2014/main" id="{9E529465-F199-4B05-A1C2-0859688DC03A}"/>
               </a:ext>
             </a:extLst>
           </p:cNvPr>
@@ -4290,7 +4468,7 @@
         <p:spPr>
           <a:xfrm>
             <a:off x="838199" y="2055813"/>
-            <a:ext cx="10515599" cy="584775"/>
+            <a:ext cx="10515599" cy="1077218"/>
           </a:xfrm>
           <a:prstGeom prst="rect">
             <a:avLst/>
@@ -4313,7 +4491,7 @@
                   </a:schemeClr>
                 </a:solidFill>
               </a:rPr>
-              <a:t>Weigh the importance of each keyword in calculating gender</a:t>
+              <a:t>Train a neural net with our data to classify based on gender, while picking out keywords</a:t>
             </a:r>
           </a:p>
         </p:txBody>
@@ -4321,7 +4499,7 @@
     </p:spTree>
     <p:extLst>
       <p:ext uri="{BB962C8B-B14F-4D97-AF65-F5344CB8AC3E}">
-        <p14:creationId xmlns:p14="http://schemas.microsoft.com/office/powerpoint/2010/main" val="3363027603"/>
+        <p14:creationId xmlns:p14="http://schemas.microsoft.com/office/powerpoint/2010/main" val="229745582"/>
       </p:ext>
     </p:extLst>
   </p:cSld>
@@ -4413,7 +4591,7 @@
                   </a:schemeClr>
                 </a:solidFill>
               </a:rPr>
-              <a:t>Prototype</a:t>
+              <a:t>Weigh Importance</a:t>
             </a:r>
           </a:p>
         </p:txBody>
@@ -4423,7 +4601,7 @@
           <p:cNvPr id="4" name="TextBox 3">
             <a:extLst>
               <a:ext uri="{FF2B5EF4-FFF2-40B4-BE49-F238E27FC236}">
-                <a16:creationId xmlns:a16="http://schemas.microsoft.com/office/drawing/2014/main" id="{10BE9647-F38F-4665-B2D4-62EE6C70F902}"/>
+                <a16:creationId xmlns:a16="http://schemas.microsoft.com/office/drawing/2014/main" id="{72425679-6842-4C09-A951-92C5B4298500}"/>
               </a:ext>
             </a:extLst>
           </p:cNvPr>
@@ -4456,7 +4634,7 @@
                   </a:schemeClr>
                 </a:solidFill>
               </a:rPr>
-              <a:t>Results from our prototype</a:t>
+              <a:t>Weigh the importance of each keyword in calculating gender</a:t>
             </a:r>
           </a:p>
         </p:txBody>
@@ -4464,7 +4642,7 @@
     </p:spTree>
     <p:extLst>
       <p:ext uri="{BB962C8B-B14F-4D97-AF65-F5344CB8AC3E}">
-        <p14:creationId xmlns:p14="http://schemas.microsoft.com/office/powerpoint/2010/main" val="4076535330"/>
+        <p14:creationId xmlns:p14="http://schemas.microsoft.com/office/powerpoint/2010/main" val="3363027603"/>
       </p:ext>
     </p:extLst>
   </p:cSld>
@@ -4556,7 +4734,7 @@
                   </a:schemeClr>
                 </a:solidFill>
               </a:rPr>
-              <a:t>Future Works</a:t>
+              <a:t>Prototype</a:t>
             </a:r>
           </a:p>
         </p:txBody>
@@ -4566,7 +4744,7 @@
           <p:cNvPr id="4" name="TextBox 3">
             <a:extLst>
               <a:ext uri="{FF2B5EF4-FFF2-40B4-BE49-F238E27FC236}">
-                <a16:creationId xmlns:a16="http://schemas.microsoft.com/office/drawing/2014/main" id="{62C1EAA7-5808-45E0-9C62-CD97A1B3464B}"/>
+                <a16:creationId xmlns:a16="http://schemas.microsoft.com/office/drawing/2014/main" id="{10BE9647-F38F-4665-B2D4-62EE6C70F902}"/>
               </a:ext>
             </a:extLst>
           </p:cNvPr>
@@ -4599,7 +4777,7 @@
                   </a:schemeClr>
                 </a:solidFill>
               </a:rPr>
-              <a:t>What we plan to do next</a:t>
+              <a:t>Results from our prototype</a:t>
             </a:r>
           </a:p>
         </p:txBody>
@@ -4607,7 +4785,7 @@
     </p:spTree>
     <p:extLst>
       <p:ext uri="{BB962C8B-B14F-4D97-AF65-F5344CB8AC3E}">
-        <p14:creationId xmlns:p14="http://schemas.microsoft.com/office/powerpoint/2010/main" val="1019578650"/>
+        <p14:creationId xmlns:p14="http://schemas.microsoft.com/office/powerpoint/2010/main" val="4076535330"/>
       </p:ext>
     </p:extLst>
   </p:cSld>

--- a/DegenderisePresentation.pptx
+++ b/DegenderisePresentation.pptx
@@ -112,6 +112,11 @@
       </a:defRPr>
     </a:lvl9pPr>
   </p:defaultTextStyle>
+  <p:extLst>
+    <p:ext uri="{EFAFB233-063F-42B5-8137-9DF3F51BA10A}">
+      <p15:sldGuideLst xmlns:p15="http://schemas.microsoft.com/office/powerpoint/2012/main"/>
+    </p:ext>
+  </p:extLst>
 </p:presentation>
 </file>
 
@@ -3565,7 +3570,7 @@
         <p:spPr>
           <a:xfrm>
             <a:off x="838199" y="2055813"/>
-            <a:ext cx="10515601" cy="584775"/>
+            <a:ext cx="10515601" cy="2062103"/>
           </a:xfrm>
           <a:prstGeom prst="rect">
             <a:avLst/>
@@ -3587,8 +3592,18 @@
                   </a:schemeClr>
                 </a:solidFill>
               </a:rPr>
-              <a:t>Describe the problem at hand</a:t>
-            </a:r>
+              <a:t>Employers can be consciously or subconsciously biased against potential employees based on a number of factors such as gender</a:t>
+            </a:r>
+          </a:p>
+          <a:p>
+            <a:endParaRPr lang="en-GB" sz="3200" dirty="0">
+              <a:solidFill>
+                <a:schemeClr val="accent1">
+                  <a:lumMod val="20000"/>
+                  <a:lumOff val="80000"/>
+                </a:schemeClr>
+              </a:solidFill>
+            </a:endParaRPr>
           </a:p>
         </p:txBody>
       </p:sp>
@@ -3707,7 +3722,7 @@
         <p:spPr>
           <a:xfrm>
             <a:off x="838199" y="2055813"/>
-            <a:ext cx="10515599" cy="584775"/>
+            <a:ext cx="10515599" cy="3046988"/>
           </a:xfrm>
           <a:prstGeom prst="rect">
             <a:avLst/>
@@ -3720,7 +3735,6 @@
           </a:bodyPr>
           <a:lstStyle/>
           <a:p>
-            <a:pPr algn="l"/>
             <a:r>
               <a:rPr lang="en-GB" sz="3200" dirty="0">
                 <a:solidFill>
@@ -3730,7 +3744,32 @@
                   </a:schemeClr>
                 </a:solidFill>
               </a:rPr>
-              <a:t>Change resumes to hide gender</a:t>
+              <a:t>Removing names makes it harder to detect the gender of an applicant, but other factors still indicate gender</a:t>
+            </a:r>
+          </a:p>
+          <a:p>
+            <a:pPr algn="l"/>
+            <a:endParaRPr lang="en-GB" sz="3200" dirty="0">
+              <a:solidFill>
+                <a:schemeClr val="accent1">
+                  <a:lumMod val="20000"/>
+                  <a:lumOff val="80000"/>
+                </a:schemeClr>
+              </a:solidFill>
+            </a:endParaRPr>
+          </a:p>
+          <a:p>
+            <a:pPr algn="l"/>
+            <a:r>
+              <a:rPr lang="en-GB" sz="3200" dirty="0">
+                <a:solidFill>
+                  <a:schemeClr val="accent1">
+                    <a:lumMod val="20000"/>
+                    <a:lumOff val="80000"/>
+                  </a:schemeClr>
+                </a:solidFill>
+              </a:rPr>
+              <a:t>Learn from existing resumes the factors that indicate gender and remove them from the resume to hide the gender of the applicant</a:t>
             </a:r>
           </a:p>
         </p:txBody>
@@ -3830,7 +3869,7 @@
                   </a:schemeClr>
                 </a:solidFill>
               </a:rPr>
-              <a:t>Find Data</a:t>
+              <a:t>Data</a:t>
             </a:r>
           </a:p>
         </p:txBody>
@@ -3850,7 +3889,7 @@
         <p:spPr>
           <a:xfrm>
             <a:off x="838199" y="2055813"/>
-            <a:ext cx="10515599" cy="584775"/>
+            <a:ext cx="10515599" cy="1569660"/>
           </a:xfrm>
           <a:prstGeom prst="rect">
             <a:avLst/>
@@ -3873,7 +3912,32 @@
                   </a:schemeClr>
                 </a:solidFill>
               </a:rPr>
-              <a:t>Find data sets of resumes</a:t>
+              <a:t>Find large data sets of resumes</a:t>
+            </a:r>
+          </a:p>
+          <a:p>
+            <a:pPr algn="l"/>
+            <a:endParaRPr lang="en-GB" sz="3200" dirty="0">
+              <a:solidFill>
+                <a:schemeClr val="accent1">
+                  <a:lumMod val="20000"/>
+                  <a:lumOff val="80000"/>
+                </a:schemeClr>
+              </a:solidFill>
+            </a:endParaRPr>
+          </a:p>
+          <a:p>
+            <a:pPr algn="l"/>
+            <a:r>
+              <a:rPr lang="en-GB" sz="3200" dirty="0">
+                <a:solidFill>
+                  <a:schemeClr val="accent1">
+                    <a:lumMod val="20000"/>
+                    <a:lumOff val="80000"/>
+                  </a:schemeClr>
+                </a:solidFill>
+              </a:rPr>
+              <a:t>Names included, but not gender</a:t>
             </a:r>
           </a:p>
         </p:txBody>
@@ -3965,17 +4029,6 @@
           <a:lstStyle/>
           <a:p>
             <a:r>
-              <a:rPr lang="en-GB" dirty="0" err="1">
-                <a:solidFill>
-                  <a:schemeClr val="accent1">
-                    <a:lumMod val="20000"/>
-                    <a:lumOff val="80000"/>
-                  </a:schemeClr>
-                </a:solidFill>
-              </a:rPr>
-              <a:t>Genderise</a:t>
-            </a:r>
-            <a:r>
               <a:rPr lang="en-GB" dirty="0">
                 <a:solidFill>
                   <a:schemeClr val="accent1">
@@ -3984,7 +4037,7 @@
                   </a:schemeClr>
                 </a:solidFill>
               </a:rPr>
-              <a:t> Them</a:t>
+              <a:t>Gender the Data</a:t>
             </a:r>
           </a:p>
         </p:txBody>
@@ -4004,7 +4057,7 @@
         <p:spPr>
           <a:xfrm>
             <a:off x="838199" y="2055813"/>
-            <a:ext cx="10515599" cy="584775"/>
+            <a:ext cx="10515599" cy="1569660"/>
           </a:xfrm>
           <a:prstGeom prst="rect">
             <a:avLst/>
@@ -4027,7 +4080,32 @@
                   </a:schemeClr>
                 </a:solidFill>
               </a:rPr>
-              <a:t>Work out gender of resumes</a:t>
+              <a:t>Using the names of the applicants assign them a gender</a:t>
+            </a:r>
+          </a:p>
+          <a:p>
+            <a:pPr algn="l"/>
+            <a:endParaRPr lang="en-GB" sz="3200" dirty="0">
+              <a:solidFill>
+                <a:schemeClr val="accent1">
+                  <a:lumMod val="20000"/>
+                  <a:lumOff val="80000"/>
+                </a:schemeClr>
+              </a:solidFill>
+            </a:endParaRPr>
+          </a:p>
+          <a:p>
+            <a:pPr algn="l"/>
+            <a:r>
+              <a:rPr lang="en-GB" sz="3200" dirty="0">
+                <a:solidFill>
+                  <a:schemeClr val="accent1">
+                    <a:lumMod val="20000"/>
+                    <a:lumOff val="80000"/>
+                  </a:schemeClr>
+                </a:solidFill>
+              </a:rPr>
+              <a:t>Where the name is ambiguous remove them from the data set</a:t>
             </a:r>
           </a:p>
         </p:txBody>

--- a/DegenderisePresentation.pptx
+++ b/DegenderisePresentation.pptx
@@ -3685,17 +3685,14 @@
           <a:bodyPr/>
           <a:lstStyle/>
           <a:p>
-            <a:r>
-              <a:rPr lang="en-GB" dirty="0">
-                <a:solidFill>
-                  <a:schemeClr val="accent1">
-                    <a:lumMod val="20000"/>
-                    <a:lumOff val="80000"/>
-                  </a:schemeClr>
-                </a:solidFill>
-              </a:rPr>
-              <a:t>The Problem</a:t>
-            </a:r>
+            <a:endParaRPr lang="en-GB" dirty="0">
+              <a:solidFill>
+                <a:schemeClr val="accent1">
+                  <a:lumMod val="20000"/>
+                  <a:lumOff val="80000"/>
+                </a:schemeClr>
+              </a:solidFill>
+            </a:endParaRPr>
           </a:p>
         </p:txBody>
       </p:sp>
@@ -3714,7 +3711,7 @@
         <p:spPr>
           <a:xfrm>
             <a:off x="838199" y="2055813"/>
-            <a:ext cx="10515601" cy="584775"/>
+            <a:ext cx="10515601" cy="3539430"/>
           </a:xfrm>
           <a:prstGeom prst="rect">
             <a:avLst/>
@@ -3736,7 +3733,142 @@
                   </a:schemeClr>
                 </a:solidFill>
               </a:rPr>
-              <a:t>Describe the problem at hand</a:t>
+              <a:t>Mentor: </a:t>
+            </a:r>
+            <a:r>
+              <a:rPr lang="en-GB" sz="3200" dirty="0" err="1">
+                <a:solidFill>
+                  <a:schemeClr val="accent1">
+                    <a:lumMod val="20000"/>
+                    <a:lumOff val="80000"/>
+                  </a:schemeClr>
+                </a:solidFill>
+              </a:rPr>
+              <a:t>Penousal</a:t>
+            </a:r>
+            <a:r>
+              <a:rPr lang="en-GB" sz="3200" dirty="0">
+                <a:solidFill>
+                  <a:schemeClr val="accent1">
+                    <a:lumMod val="20000"/>
+                    <a:lumOff val="80000"/>
+                  </a:schemeClr>
+                </a:solidFill>
+              </a:rPr>
+              <a:t> Machado</a:t>
+            </a:r>
+          </a:p>
+          <a:p>
+            <a:endParaRPr lang="en-GB" sz="3200" dirty="0">
+              <a:solidFill>
+                <a:schemeClr val="accent1">
+                  <a:lumMod val="20000"/>
+                  <a:lumOff val="80000"/>
+                </a:schemeClr>
+              </a:solidFill>
+            </a:endParaRPr>
+          </a:p>
+          <a:p>
+            <a:r>
+              <a:rPr lang="en-GB" sz="3200" dirty="0">
+                <a:solidFill>
+                  <a:schemeClr val="accent1">
+                    <a:lumMod val="20000"/>
+                    <a:lumOff val="80000"/>
+                  </a:schemeClr>
+                </a:solidFill>
+              </a:rPr>
+              <a:t>Team:</a:t>
+            </a:r>
+          </a:p>
+          <a:p>
+            <a:r>
+              <a:rPr lang="en-GB" sz="3200" dirty="0">
+                <a:solidFill>
+                  <a:schemeClr val="accent1">
+                    <a:lumMod val="20000"/>
+                    <a:lumOff val="80000"/>
+                  </a:schemeClr>
+                </a:solidFill>
+              </a:rPr>
+              <a:t>Benjamin Bodner</a:t>
+            </a:r>
+          </a:p>
+          <a:p>
+            <a:r>
+              <a:rPr lang="en-GB" sz="3200" dirty="0">
+                <a:solidFill>
+                  <a:schemeClr val="accent1">
+                    <a:lumMod val="20000"/>
+                    <a:lumOff val="80000"/>
+                  </a:schemeClr>
+                </a:solidFill>
+              </a:rPr>
+              <a:t>Wojciech </a:t>
+            </a:r>
+            <a:r>
+              <a:rPr lang="en-GB" sz="3200" dirty="0" err="1">
+                <a:solidFill>
+                  <a:schemeClr val="accent1">
+                    <a:lumMod val="20000"/>
+                    <a:lumOff val="80000"/>
+                  </a:schemeClr>
+                </a:solidFill>
+              </a:rPr>
+              <a:t>Dudzik</a:t>
+            </a:r>
+            <a:endParaRPr lang="en-GB" sz="3200" dirty="0">
+              <a:solidFill>
+                <a:schemeClr val="accent1">
+                  <a:lumMod val="20000"/>
+                  <a:lumOff val="80000"/>
+                </a:schemeClr>
+              </a:solidFill>
+            </a:endParaRPr>
+          </a:p>
+          <a:p>
+            <a:r>
+              <a:rPr lang="en-GB" sz="3200" dirty="0">
+                <a:solidFill>
+                  <a:schemeClr val="accent1">
+                    <a:lumMod val="20000"/>
+                    <a:lumOff val="80000"/>
+                  </a:schemeClr>
+                </a:solidFill>
+              </a:rPr>
+              <a:t>Yuri </a:t>
+            </a:r>
+            <a:r>
+              <a:rPr lang="en-GB" sz="3200" dirty="0" err="1">
+                <a:solidFill>
+                  <a:schemeClr val="accent1">
+                    <a:lumMod val="20000"/>
+                    <a:lumOff val="80000"/>
+                  </a:schemeClr>
+                </a:solidFill>
+              </a:rPr>
+              <a:t>Lavinas</a:t>
+            </a:r>
+            <a:endParaRPr lang="en-GB" sz="3200" dirty="0">
+              <a:solidFill>
+                <a:schemeClr val="accent1">
+                  <a:lumMod val="20000"/>
+                  <a:lumOff val="80000"/>
+                </a:schemeClr>
+              </a:solidFill>
+            </a:endParaRPr>
+          </a:p>
+          <a:p>
+            <a:r>
+              <a:rPr lang="en-GB" sz="3200" dirty="0">
+                <a:solidFill>
+                  <a:schemeClr val="accent1">
+                    <a:lumMod val="20000"/>
+                    <a:lumOff val="80000"/>
+                  </a:schemeClr>
+                </a:solidFill>
+              </a:rPr>
+              <a:t>Nick Ross</a:t>
             </a:r>
           </a:p>
         </p:txBody>
@@ -3886,7 +4018,7 @@
         <p:spPr>
           <a:xfrm>
             <a:off x="838200" y="2055813"/>
-            <a:ext cx="6239106" cy="2554545"/>
+            <a:ext cx="6239106" cy="3046988"/>
           </a:xfrm>
           <a:prstGeom prst="rect">
             <a:avLst/>
@@ -3908,18 +4040,8 @@
                   </a:schemeClr>
                 </a:solidFill>
               </a:rPr>
-              <a:t>Employers can be consciously or subconsciously biased against potential employees based on a number of factors such as gender</a:t>
-            </a:r>
-          </a:p>
-          <a:p>
-            <a:endParaRPr lang="en-GB" sz="3200" dirty="0">
-              <a:solidFill>
-                <a:schemeClr val="accent1">
-                  <a:lumMod val="20000"/>
-                  <a:lumOff val="80000"/>
-                </a:schemeClr>
-              </a:solidFill>
-            </a:endParaRPr>
+              <a:t>Employers screen employee resumes using AI that can be biased by the training data used, resulting in potential employees being rejected on a number of factors such as those that indicate gender</a:t>
+            </a:r>
           </a:p>
         </p:txBody>
       </p:sp>

--- a/DegenderisePresentation.pptx
+++ b/DegenderisePresentation.pptx
@@ -9,12 +9,14 @@
     <p:sldId id="263" r:id="rId3"/>
     <p:sldId id="270" r:id="rId4"/>
     <p:sldId id="264" r:id="rId5"/>
-    <p:sldId id="268" r:id="rId6"/>
-    <p:sldId id="267" r:id="rId7"/>
-    <p:sldId id="265" r:id="rId8"/>
-    <p:sldId id="266" r:id="rId9"/>
-    <p:sldId id="269" r:id="rId10"/>
-    <p:sldId id="262" r:id="rId11"/>
+    <p:sldId id="271" r:id="rId6"/>
+    <p:sldId id="272" r:id="rId7"/>
+    <p:sldId id="268" r:id="rId8"/>
+    <p:sldId id="267" r:id="rId9"/>
+    <p:sldId id="265" r:id="rId10"/>
+    <p:sldId id="266" r:id="rId11"/>
+    <p:sldId id="269" r:id="rId12"/>
+    <p:sldId id="262" r:id="rId13"/>
   </p:sldIdLst>
   <p:sldSz cx="12192000" cy="6858000"/>
   <p:notesSz cx="6858000" cy="9144000"/>
@@ -119,6 +121,2520 @@
     </p:ext>
   </p:extLst>
 </p:presentation>
+</file>
+
+<file path=ppt/diagrams/colors1.xml><?xml version="1.0" encoding="utf-8"?>
+<dgm:colorsDef xmlns:dgm="http://schemas.openxmlformats.org/drawingml/2006/diagram" xmlns:a="http://schemas.openxmlformats.org/drawingml/2006/main" uniqueId="urn:microsoft.com/office/officeart/2005/8/colors/accent2_2">
+  <dgm:title val=""/>
+  <dgm:desc val=""/>
+  <dgm:catLst>
+    <dgm:cat type="accent2" pri="11200"/>
+  </dgm:catLst>
+  <dgm:styleLbl name="node0">
+    <dgm:fillClrLst meth="repeat">
+      <a:schemeClr val="accent2"/>
+    </dgm:fillClrLst>
+    <dgm:linClrLst meth="repeat">
+      <a:schemeClr val="lt1"/>
+    </dgm:linClrLst>
+    <dgm:effectClrLst/>
+    <dgm:txLinClrLst/>
+    <dgm:txFillClrLst/>
+    <dgm:txEffectClrLst/>
+  </dgm:styleLbl>
+  <dgm:styleLbl name="node1">
+    <dgm:fillClrLst meth="repeat">
+      <a:schemeClr val="accent2"/>
+    </dgm:fillClrLst>
+    <dgm:linClrLst meth="repeat">
+      <a:schemeClr val="lt1"/>
+    </dgm:linClrLst>
+    <dgm:effectClrLst/>
+    <dgm:txLinClrLst/>
+    <dgm:txFillClrLst/>
+    <dgm:txEffectClrLst/>
+  </dgm:styleLbl>
+  <dgm:styleLbl name="alignNode1">
+    <dgm:fillClrLst meth="repeat">
+      <a:schemeClr val="accent2"/>
+    </dgm:fillClrLst>
+    <dgm:linClrLst meth="repeat">
+      <a:schemeClr val="accent2"/>
+    </dgm:linClrLst>
+    <dgm:effectClrLst/>
+    <dgm:txLinClrLst/>
+    <dgm:txFillClrLst/>
+    <dgm:txEffectClrLst/>
+  </dgm:styleLbl>
+  <dgm:styleLbl name="lnNode1">
+    <dgm:fillClrLst meth="repeat">
+      <a:schemeClr val="accent2"/>
+    </dgm:fillClrLst>
+    <dgm:linClrLst meth="repeat">
+      <a:schemeClr val="lt1"/>
+    </dgm:linClrLst>
+    <dgm:effectClrLst/>
+    <dgm:txLinClrLst/>
+    <dgm:txFillClrLst/>
+    <dgm:txEffectClrLst/>
+  </dgm:styleLbl>
+  <dgm:styleLbl name="vennNode1">
+    <dgm:fillClrLst meth="repeat">
+      <a:schemeClr val="accent2">
+        <a:alpha val="50000"/>
+      </a:schemeClr>
+    </dgm:fillClrLst>
+    <dgm:linClrLst meth="repeat">
+      <a:schemeClr val="lt1"/>
+    </dgm:linClrLst>
+    <dgm:effectClrLst/>
+    <dgm:txLinClrLst/>
+    <dgm:txFillClrLst/>
+    <dgm:txEffectClrLst/>
+  </dgm:styleLbl>
+  <dgm:styleLbl name="node2">
+    <dgm:fillClrLst meth="repeat">
+      <a:schemeClr val="accent2"/>
+    </dgm:fillClrLst>
+    <dgm:linClrLst meth="repeat">
+      <a:schemeClr val="lt1"/>
+    </dgm:linClrLst>
+    <dgm:effectClrLst/>
+    <dgm:txLinClrLst/>
+    <dgm:txFillClrLst/>
+    <dgm:txEffectClrLst/>
+  </dgm:styleLbl>
+  <dgm:styleLbl name="node3">
+    <dgm:fillClrLst meth="repeat">
+      <a:schemeClr val="accent2"/>
+    </dgm:fillClrLst>
+    <dgm:linClrLst meth="repeat">
+      <a:schemeClr val="lt1"/>
+    </dgm:linClrLst>
+    <dgm:effectClrLst/>
+    <dgm:txLinClrLst/>
+    <dgm:txFillClrLst/>
+    <dgm:txEffectClrLst/>
+  </dgm:styleLbl>
+  <dgm:styleLbl name="node4">
+    <dgm:fillClrLst meth="repeat">
+      <a:schemeClr val="accent2"/>
+    </dgm:fillClrLst>
+    <dgm:linClrLst meth="repeat">
+      <a:schemeClr val="lt1"/>
+    </dgm:linClrLst>
+    <dgm:effectClrLst/>
+    <dgm:txLinClrLst/>
+    <dgm:txFillClrLst/>
+    <dgm:txEffectClrLst/>
+  </dgm:styleLbl>
+  <dgm:styleLbl name="fgImgPlace1">
+    <dgm:fillClrLst meth="repeat">
+      <a:schemeClr val="accent2">
+        <a:tint val="50000"/>
+      </a:schemeClr>
+    </dgm:fillClrLst>
+    <dgm:linClrLst meth="repeat">
+      <a:schemeClr val="lt1"/>
+    </dgm:linClrLst>
+    <dgm:effectClrLst/>
+    <dgm:txLinClrLst/>
+    <dgm:txFillClrLst meth="repeat">
+      <a:schemeClr val="lt1"/>
+    </dgm:txFillClrLst>
+    <dgm:txEffectClrLst/>
+  </dgm:styleLbl>
+  <dgm:styleLbl name="alignImgPlace1">
+    <dgm:fillClrLst meth="repeat">
+      <a:schemeClr val="accent2">
+        <a:tint val="50000"/>
+      </a:schemeClr>
+    </dgm:fillClrLst>
+    <dgm:linClrLst meth="repeat">
+      <a:schemeClr val="lt1"/>
+    </dgm:linClrLst>
+    <dgm:effectClrLst/>
+    <dgm:txLinClrLst/>
+    <dgm:txFillClrLst meth="repeat">
+      <a:schemeClr val="lt1"/>
+    </dgm:txFillClrLst>
+    <dgm:txEffectClrLst/>
+  </dgm:styleLbl>
+  <dgm:styleLbl name="bgImgPlace1">
+    <dgm:fillClrLst meth="repeat">
+      <a:schemeClr val="accent2">
+        <a:tint val="50000"/>
+      </a:schemeClr>
+    </dgm:fillClrLst>
+    <dgm:linClrLst meth="repeat">
+      <a:schemeClr val="lt1"/>
+    </dgm:linClrLst>
+    <dgm:effectClrLst/>
+    <dgm:txLinClrLst/>
+    <dgm:txFillClrLst meth="repeat">
+      <a:schemeClr val="lt1"/>
+    </dgm:txFillClrLst>
+    <dgm:txEffectClrLst/>
+  </dgm:styleLbl>
+  <dgm:styleLbl name="sibTrans2D1">
+    <dgm:fillClrLst meth="repeat">
+      <a:schemeClr val="accent2">
+        <a:tint val="60000"/>
+      </a:schemeClr>
+    </dgm:fillClrLst>
+    <dgm:linClrLst meth="repeat">
+      <a:schemeClr val="accent2">
+        <a:tint val="60000"/>
+      </a:schemeClr>
+    </dgm:linClrLst>
+    <dgm:effectClrLst/>
+    <dgm:txLinClrLst/>
+    <dgm:txFillClrLst/>
+    <dgm:txEffectClrLst/>
+  </dgm:styleLbl>
+  <dgm:styleLbl name="fgSibTrans2D1">
+    <dgm:fillClrLst meth="repeat">
+      <a:schemeClr val="accent2">
+        <a:tint val="60000"/>
+      </a:schemeClr>
+    </dgm:fillClrLst>
+    <dgm:linClrLst meth="repeat">
+      <a:schemeClr val="accent2">
+        <a:tint val="60000"/>
+      </a:schemeClr>
+    </dgm:linClrLst>
+    <dgm:effectClrLst/>
+    <dgm:txLinClrLst/>
+    <dgm:txFillClrLst/>
+    <dgm:txEffectClrLst/>
+  </dgm:styleLbl>
+  <dgm:styleLbl name="bgSibTrans2D1">
+    <dgm:fillClrLst meth="repeat">
+      <a:schemeClr val="accent2">
+        <a:tint val="60000"/>
+      </a:schemeClr>
+    </dgm:fillClrLst>
+    <dgm:linClrLst meth="repeat">
+      <a:schemeClr val="accent2">
+        <a:tint val="60000"/>
+      </a:schemeClr>
+    </dgm:linClrLst>
+    <dgm:effectClrLst/>
+    <dgm:txLinClrLst/>
+    <dgm:txFillClrLst/>
+    <dgm:txEffectClrLst/>
+  </dgm:styleLbl>
+  <dgm:styleLbl name="sibTrans1D1">
+    <dgm:fillClrLst meth="repeat">
+      <a:schemeClr val="accent2"/>
+    </dgm:fillClrLst>
+    <dgm:linClrLst meth="repeat">
+      <a:schemeClr val="accent2"/>
+    </dgm:linClrLst>
+    <dgm:effectClrLst/>
+    <dgm:txLinClrLst/>
+    <dgm:txFillClrLst meth="repeat">
+      <a:schemeClr val="tx1"/>
+    </dgm:txFillClrLst>
+    <dgm:txEffectClrLst/>
+  </dgm:styleLbl>
+  <dgm:styleLbl name="callout">
+    <dgm:fillClrLst meth="repeat">
+      <a:schemeClr val="accent2"/>
+    </dgm:fillClrLst>
+    <dgm:linClrLst meth="repeat">
+      <a:schemeClr val="accent2">
+        <a:tint val="50000"/>
+      </a:schemeClr>
+    </dgm:linClrLst>
+    <dgm:effectClrLst/>
+    <dgm:txLinClrLst/>
+    <dgm:txFillClrLst meth="repeat">
+      <a:schemeClr val="tx1"/>
+    </dgm:txFillClrLst>
+    <dgm:txEffectClrLst/>
+  </dgm:styleLbl>
+  <dgm:styleLbl name="asst0">
+    <dgm:fillClrLst meth="repeat">
+      <a:schemeClr val="accent2"/>
+    </dgm:fillClrLst>
+    <dgm:linClrLst meth="repeat">
+      <a:schemeClr val="lt1"/>
+    </dgm:linClrLst>
+    <dgm:effectClrLst/>
+    <dgm:txLinClrLst/>
+    <dgm:txFillClrLst/>
+    <dgm:txEffectClrLst/>
+  </dgm:styleLbl>
+  <dgm:styleLbl name="asst1">
+    <dgm:fillClrLst meth="repeat">
+      <a:schemeClr val="accent2"/>
+    </dgm:fillClrLst>
+    <dgm:linClrLst meth="repeat">
+      <a:schemeClr val="lt1"/>
+    </dgm:linClrLst>
+    <dgm:effectClrLst/>
+    <dgm:txLinClrLst/>
+    <dgm:txFillClrLst/>
+    <dgm:txEffectClrLst/>
+  </dgm:styleLbl>
+  <dgm:styleLbl name="asst2">
+    <dgm:fillClrLst meth="repeat">
+      <a:schemeClr val="accent2"/>
+    </dgm:fillClrLst>
+    <dgm:linClrLst meth="repeat">
+      <a:schemeClr val="lt1"/>
+    </dgm:linClrLst>
+    <dgm:effectClrLst/>
+    <dgm:txLinClrLst/>
+    <dgm:txFillClrLst/>
+    <dgm:txEffectClrLst/>
+  </dgm:styleLbl>
+  <dgm:styleLbl name="asst3">
+    <dgm:fillClrLst meth="repeat">
+      <a:schemeClr val="accent2"/>
+    </dgm:fillClrLst>
+    <dgm:linClrLst meth="repeat">
+      <a:schemeClr val="lt1"/>
+    </dgm:linClrLst>
+    <dgm:effectClrLst/>
+    <dgm:txLinClrLst/>
+    <dgm:txFillClrLst/>
+    <dgm:txEffectClrLst/>
+  </dgm:styleLbl>
+  <dgm:styleLbl name="asst4">
+    <dgm:fillClrLst meth="repeat">
+      <a:schemeClr val="accent2"/>
+    </dgm:fillClrLst>
+    <dgm:linClrLst meth="repeat">
+      <a:schemeClr val="lt1"/>
+    </dgm:linClrLst>
+    <dgm:effectClrLst/>
+    <dgm:txLinClrLst/>
+    <dgm:txFillClrLst/>
+    <dgm:txEffectClrLst/>
+  </dgm:styleLbl>
+  <dgm:styleLbl name="parChTrans2D1">
+    <dgm:fillClrLst meth="repeat">
+      <a:schemeClr val="accent2">
+        <a:tint val="60000"/>
+      </a:schemeClr>
+    </dgm:fillClrLst>
+    <dgm:linClrLst meth="repeat">
+      <a:schemeClr val="accent2">
+        <a:tint val="60000"/>
+      </a:schemeClr>
+    </dgm:linClrLst>
+    <dgm:effectClrLst/>
+    <dgm:txLinClrLst/>
+    <dgm:txFillClrLst meth="repeat">
+      <a:schemeClr val="lt1"/>
+    </dgm:txFillClrLst>
+    <dgm:txEffectClrLst/>
+  </dgm:styleLbl>
+  <dgm:styleLbl name="parChTrans2D2">
+    <dgm:fillClrLst meth="repeat">
+      <a:schemeClr val="accent2"/>
+    </dgm:fillClrLst>
+    <dgm:linClrLst meth="repeat">
+      <a:schemeClr val="accent2"/>
+    </dgm:linClrLst>
+    <dgm:effectClrLst/>
+    <dgm:txLinClrLst/>
+    <dgm:txFillClrLst meth="repeat">
+      <a:schemeClr val="lt1"/>
+    </dgm:txFillClrLst>
+    <dgm:txEffectClrLst/>
+  </dgm:styleLbl>
+  <dgm:styleLbl name="parChTrans2D3">
+    <dgm:fillClrLst meth="repeat">
+      <a:schemeClr val="accent2"/>
+    </dgm:fillClrLst>
+    <dgm:linClrLst meth="repeat">
+      <a:schemeClr val="accent2"/>
+    </dgm:linClrLst>
+    <dgm:effectClrLst/>
+    <dgm:txLinClrLst/>
+    <dgm:txFillClrLst meth="repeat">
+      <a:schemeClr val="lt1"/>
+    </dgm:txFillClrLst>
+    <dgm:txEffectClrLst/>
+  </dgm:styleLbl>
+  <dgm:styleLbl name="parChTrans2D4">
+    <dgm:fillClrLst meth="repeat">
+      <a:schemeClr val="accent2"/>
+    </dgm:fillClrLst>
+    <dgm:linClrLst meth="repeat">
+      <a:schemeClr val="accent2"/>
+    </dgm:linClrLst>
+    <dgm:effectClrLst/>
+    <dgm:txLinClrLst/>
+    <dgm:txFillClrLst meth="repeat">
+      <a:schemeClr val="lt1"/>
+    </dgm:txFillClrLst>
+    <dgm:txEffectClrLst/>
+  </dgm:styleLbl>
+  <dgm:styleLbl name="parChTrans1D1">
+    <dgm:fillClrLst meth="repeat">
+      <a:schemeClr val="accent2"/>
+    </dgm:fillClrLst>
+    <dgm:linClrLst meth="repeat">
+      <a:schemeClr val="accent2">
+        <a:shade val="60000"/>
+      </a:schemeClr>
+    </dgm:linClrLst>
+    <dgm:effectClrLst/>
+    <dgm:txLinClrLst/>
+    <dgm:txFillClrLst meth="repeat">
+      <a:schemeClr val="tx1"/>
+    </dgm:txFillClrLst>
+    <dgm:txEffectClrLst/>
+  </dgm:styleLbl>
+  <dgm:styleLbl name="parChTrans1D2">
+    <dgm:fillClrLst meth="repeat">
+      <a:schemeClr val="accent2"/>
+    </dgm:fillClrLst>
+    <dgm:linClrLst meth="repeat">
+      <a:schemeClr val="accent2">
+        <a:shade val="60000"/>
+      </a:schemeClr>
+    </dgm:linClrLst>
+    <dgm:effectClrLst/>
+    <dgm:txLinClrLst/>
+    <dgm:txFillClrLst meth="repeat">
+      <a:schemeClr val="tx1"/>
+    </dgm:txFillClrLst>
+    <dgm:txEffectClrLst/>
+  </dgm:styleLbl>
+  <dgm:styleLbl name="parChTrans1D3">
+    <dgm:fillClrLst meth="repeat">
+      <a:schemeClr val="accent2"/>
+    </dgm:fillClrLst>
+    <dgm:linClrLst meth="repeat">
+      <a:schemeClr val="accent2">
+        <a:shade val="80000"/>
+      </a:schemeClr>
+    </dgm:linClrLst>
+    <dgm:effectClrLst/>
+    <dgm:txLinClrLst/>
+    <dgm:txFillClrLst meth="repeat">
+      <a:schemeClr val="tx1"/>
+    </dgm:txFillClrLst>
+    <dgm:txEffectClrLst/>
+  </dgm:styleLbl>
+  <dgm:styleLbl name="parChTrans1D4">
+    <dgm:fillClrLst meth="repeat">
+      <a:schemeClr val="accent2"/>
+    </dgm:fillClrLst>
+    <dgm:linClrLst meth="repeat">
+      <a:schemeClr val="accent2">
+        <a:shade val="80000"/>
+      </a:schemeClr>
+    </dgm:linClrLst>
+    <dgm:effectClrLst/>
+    <dgm:txLinClrLst/>
+    <dgm:txFillClrLst meth="repeat">
+      <a:schemeClr val="tx1"/>
+    </dgm:txFillClrLst>
+    <dgm:txEffectClrLst/>
+  </dgm:styleLbl>
+  <dgm:styleLbl name="fgAcc1">
+    <dgm:fillClrLst meth="repeat">
+      <a:schemeClr val="lt1">
+        <a:alpha val="90000"/>
+      </a:schemeClr>
+    </dgm:fillClrLst>
+    <dgm:linClrLst meth="repeat">
+      <a:schemeClr val="accent2"/>
+    </dgm:linClrLst>
+    <dgm:effectClrLst/>
+    <dgm:txLinClrLst/>
+    <dgm:txFillClrLst meth="repeat">
+      <a:schemeClr val="dk1"/>
+    </dgm:txFillClrLst>
+    <dgm:txEffectClrLst/>
+  </dgm:styleLbl>
+  <dgm:styleLbl name="conFgAcc1">
+    <dgm:fillClrLst meth="repeat">
+      <a:schemeClr val="lt1">
+        <a:alpha val="90000"/>
+      </a:schemeClr>
+    </dgm:fillClrLst>
+    <dgm:linClrLst meth="repeat">
+      <a:schemeClr val="accent2"/>
+    </dgm:linClrLst>
+    <dgm:effectClrLst/>
+    <dgm:txLinClrLst/>
+    <dgm:txFillClrLst meth="repeat">
+      <a:schemeClr val="dk1"/>
+    </dgm:txFillClrLst>
+    <dgm:txEffectClrLst/>
+  </dgm:styleLbl>
+  <dgm:styleLbl name="alignAcc1">
+    <dgm:fillClrLst meth="repeat">
+      <a:schemeClr val="lt1">
+        <a:alpha val="90000"/>
+      </a:schemeClr>
+    </dgm:fillClrLst>
+    <dgm:linClrLst meth="repeat">
+      <a:schemeClr val="accent2"/>
+    </dgm:linClrLst>
+    <dgm:effectClrLst/>
+    <dgm:txLinClrLst/>
+    <dgm:txFillClrLst meth="repeat">
+      <a:schemeClr val="dk1"/>
+    </dgm:txFillClrLst>
+    <dgm:txEffectClrLst/>
+  </dgm:styleLbl>
+  <dgm:styleLbl name="trAlignAcc1">
+    <dgm:fillClrLst meth="repeat">
+      <a:schemeClr val="lt1">
+        <a:alpha val="40000"/>
+      </a:schemeClr>
+    </dgm:fillClrLst>
+    <dgm:linClrLst meth="repeat">
+      <a:schemeClr val="accent2"/>
+    </dgm:linClrLst>
+    <dgm:effectClrLst/>
+    <dgm:txLinClrLst/>
+    <dgm:txFillClrLst meth="repeat">
+      <a:schemeClr val="dk1"/>
+    </dgm:txFillClrLst>
+    <dgm:txEffectClrLst/>
+  </dgm:styleLbl>
+  <dgm:styleLbl name="bgAcc1">
+    <dgm:fillClrLst meth="repeat">
+      <a:schemeClr val="lt1">
+        <a:alpha val="90000"/>
+      </a:schemeClr>
+    </dgm:fillClrLst>
+    <dgm:linClrLst meth="repeat">
+      <a:schemeClr val="accent2"/>
+    </dgm:linClrLst>
+    <dgm:effectClrLst/>
+    <dgm:txLinClrLst/>
+    <dgm:txFillClrLst meth="repeat">
+      <a:schemeClr val="dk1"/>
+    </dgm:txFillClrLst>
+    <dgm:txEffectClrLst/>
+  </dgm:styleLbl>
+  <dgm:styleLbl name="solidFgAcc1">
+    <dgm:fillClrLst meth="repeat">
+      <a:schemeClr val="lt1"/>
+    </dgm:fillClrLst>
+    <dgm:linClrLst meth="repeat">
+      <a:schemeClr val="accent2"/>
+    </dgm:linClrLst>
+    <dgm:effectClrLst/>
+    <dgm:txLinClrLst/>
+    <dgm:txFillClrLst meth="repeat">
+      <a:schemeClr val="dk1"/>
+    </dgm:txFillClrLst>
+    <dgm:txEffectClrLst/>
+  </dgm:styleLbl>
+  <dgm:styleLbl name="solidAlignAcc1">
+    <dgm:fillClrLst meth="repeat">
+      <a:schemeClr val="lt1"/>
+    </dgm:fillClrLst>
+    <dgm:linClrLst meth="repeat">
+      <a:schemeClr val="accent2"/>
+    </dgm:linClrLst>
+    <dgm:effectClrLst/>
+    <dgm:txLinClrLst/>
+    <dgm:txFillClrLst meth="repeat">
+      <a:schemeClr val="dk1"/>
+    </dgm:txFillClrLst>
+    <dgm:txEffectClrLst/>
+  </dgm:styleLbl>
+  <dgm:styleLbl name="solidBgAcc1">
+    <dgm:fillClrLst meth="repeat">
+      <a:schemeClr val="lt1"/>
+    </dgm:fillClrLst>
+    <dgm:linClrLst meth="repeat">
+      <a:schemeClr val="accent2"/>
+    </dgm:linClrLst>
+    <dgm:effectClrLst/>
+    <dgm:txLinClrLst/>
+    <dgm:txFillClrLst meth="repeat">
+      <a:schemeClr val="dk1"/>
+    </dgm:txFillClrLst>
+    <dgm:txEffectClrLst/>
+  </dgm:styleLbl>
+  <dgm:styleLbl name="fgAccFollowNode1">
+    <dgm:fillClrLst meth="repeat">
+      <a:schemeClr val="accent2">
+        <a:alpha val="90000"/>
+        <a:tint val="40000"/>
+      </a:schemeClr>
+    </dgm:fillClrLst>
+    <dgm:linClrLst meth="repeat">
+      <a:schemeClr val="accent2">
+        <a:alpha val="90000"/>
+        <a:tint val="40000"/>
+      </a:schemeClr>
+    </dgm:linClrLst>
+    <dgm:effectClrLst/>
+    <dgm:txLinClrLst/>
+    <dgm:txFillClrLst meth="repeat">
+      <a:schemeClr val="dk1"/>
+    </dgm:txFillClrLst>
+    <dgm:txEffectClrLst/>
+  </dgm:styleLbl>
+  <dgm:styleLbl name="alignAccFollowNode1">
+    <dgm:fillClrLst meth="repeat">
+      <a:schemeClr val="accent2">
+        <a:alpha val="90000"/>
+        <a:tint val="40000"/>
+      </a:schemeClr>
+    </dgm:fillClrLst>
+    <dgm:linClrLst meth="repeat">
+      <a:schemeClr val="accent2">
+        <a:alpha val="90000"/>
+        <a:tint val="40000"/>
+      </a:schemeClr>
+    </dgm:linClrLst>
+    <dgm:effectClrLst/>
+    <dgm:txLinClrLst/>
+    <dgm:txFillClrLst meth="repeat">
+      <a:schemeClr val="dk1"/>
+    </dgm:txFillClrLst>
+    <dgm:txEffectClrLst/>
+  </dgm:styleLbl>
+  <dgm:styleLbl name="bgAccFollowNode1">
+    <dgm:fillClrLst meth="repeat">
+      <a:schemeClr val="accent2">
+        <a:alpha val="90000"/>
+        <a:tint val="40000"/>
+      </a:schemeClr>
+    </dgm:fillClrLst>
+    <dgm:linClrLst meth="repeat">
+      <a:schemeClr val="accent2">
+        <a:alpha val="90000"/>
+        <a:tint val="40000"/>
+      </a:schemeClr>
+    </dgm:linClrLst>
+    <dgm:effectClrLst/>
+    <dgm:txLinClrLst/>
+    <dgm:txFillClrLst meth="repeat">
+      <a:schemeClr val="dk1"/>
+    </dgm:txFillClrLst>
+    <dgm:txEffectClrLst/>
+  </dgm:styleLbl>
+  <dgm:styleLbl name="fgAcc0">
+    <dgm:fillClrLst meth="repeat">
+      <a:schemeClr val="lt1">
+        <a:alpha val="90000"/>
+      </a:schemeClr>
+    </dgm:fillClrLst>
+    <dgm:linClrLst meth="repeat">
+      <a:schemeClr val="accent2"/>
+    </dgm:linClrLst>
+    <dgm:effectClrLst/>
+    <dgm:txLinClrLst/>
+    <dgm:txFillClrLst meth="repeat">
+      <a:schemeClr val="dk1"/>
+    </dgm:txFillClrLst>
+    <dgm:txEffectClrLst/>
+  </dgm:styleLbl>
+  <dgm:styleLbl name="fgAcc2">
+    <dgm:fillClrLst meth="repeat">
+      <a:schemeClr val="lt1">
+        <a:alpha val="90000"/>
+      </a:schemeClr>
+    </dgm:fillClrLst>
+    <dgm:linClrLst meth="repeat">
+      <a:schemeClr val="accent2"/>
+    </dgm:linClrLst>
+    <dgm:effectClrLst/>
+    <dgm:txLinClrLst/>
+    <dgm:txFillClrLst meth="repeat">
+      <a:schemeClr val="dk1"/>
+    </dgm:txFillClrLst>
+    <dgm:txEffectClrLst/>
+  </dgm:styleLbl>
+  <dgm:styleLbl name="fgAcc3">
+    <dgm:fillClrLst meth="repeat">
+      <a:schemeClr val="lt1">
+        <a:alpha val="90000"/>
+      </a:schemeClr>
+    </dgm:fillClrLst>
+    <dgm:linClrLst meth="repeat">
+      <a:schemeClr val="accent2"/>
+    </dgm:linClrLst>
+    <dgm:effectClrLst/>
+    <dgm:txLinClrLst/>
+    <dgm:txFillClrLst meth="repeat">
+      <a:schemeClr val="dk1"/>
+    </dgm:txFillClrLst>
+    <dgm:txEffectClrLst/>
+  </dgm:styleLbl>
+  <dgm:styleLbl name="fgAcc4">
+    <dgm:fillClrLst meth="repeat">
+      <a:schemeClr val="lt1">
+        <a:alpha val="90000"/>
+      </a:schemeClr>
+    </dgm:fillClrLst>
+    <dgm:linClrLst meth="repeat">
+      <a:schemeClr val="accent2"/>
+    </dgm:linClrLst>
+    <dgm:effectClrLst/>
+    <dgm:txLinClrLst/>
+    <dgm:txFillClrLst meth="repeat">
+      <a:schemeClr val="dk1"/>
+    </dgm:txFillClrLst>
+    <dgm:txEffectClrLst/>
+  </dgm:styleLbl>
+  <dgm:styleLbl name="bgShp">
+    <dgm:fillClrLst meth="repeat">
+      <a:schemeClr val="accent2">
+        <a:tint val="40000"/>
+      </a:schemeClr>
+    </dgm:fillClrLst>
+    <dgm:linClrLst meth="repeat">
+      <a:schemeClr val="accent2"/>
+    </dgm:linClrLst>
+    <dgm:effectClrLst/>
+    <dgm:txLinClrLst/>
+    <dgm:txFillClrLst meth="repeat">
+      <a:schemeClr val="dk1"/>
+    </dgm:txFillClrLst>
+    <dgm:txEffectClrLst/>
+  </dgm:styleLbl>
+  <dgm:styleLbl name="dkBgShp">
+    <dgm:fillClrLst meth="repeat">
+      <a:schemeClr val="accent2">
+        <a:shade val="80000"/>
+      </a:schemeClr>
+    </dgm:fillClrLst>
+    <dgm:linClrLst meth="repeat">
+      <a:schemeClr val="accent2"/>
+    </dgm:linClrLst>
+    <dgm:effectClrLst/>
+    <dgm:txLinClrLst/>
+    <dgm:txFillClrLst meth="repeat">
+      <a:schemeClr val="lt1"/>
+    </dgm:txFillClrLst>
+    <dgm:txEffectClrLst/>
+  </dgm:styleLbl>
+  <dgm:styleLbl name="trBgShp">
+    <dgm:fillClrLst meth="repeat">
+      <a:schemeClr val="accent2">
+        <a:tint val="50000"/>
+        <a:alpha val="40000"/>
+      </a:schemeClr>
+    </dgm:fillClrLst>
+    <dgm:linClrLst meth="repeat">
+      <a:schemeClr val="accent2"/>
+    </dgm:linClrLst>
+    <dgm:effectClrLst/>
+    <dgm:txLinClrLst/>
+    <dgm:txFillClrLst meth="repeat">
+      <a:schemeClr val="lt1"/>
+    </dgm:txFillClrLst>
+    <dgm:txEffectClrLst/>
+  </dgm:styleLbl>
+  <dgm:styleLbl name="fgShp">
+    <dgm:fillClrLst meth="repeat">
+      <a:schemeClr val="accent2">
+        <a:tint val="60000"/>
+      </a:schemeClr>
+    </dgm:fillClrLst>
+    <dgm:linClrLst meth="repeat">
+      <a:schemeClr val="lt1"/>
+    </dgm:linClrLst>
+    <dgm:effectClrLst/>
+    <dgm:txLinClrLst/>
+    <dgm:txFillClrLst meth="repeat">
+      <a:schemeClr val="dk1"/>
+    </dgm:txFillClrLst>
+    <dgm:txEffectClrLst/>
+  </dgm:styleLbl>
+  <dgm:styleLbl name="revTx">
+    <dgm:fillClrLst meth="repeat">
+      <a:schemeClr val="lt1">
+        <a:alpha val="0"/>
+      </a:schemeClr>
+    </dgm:fillClrLst>
+    <dgm:linClrLst meth="repeat">
+      <a:schemeClr val="dk1">
+        <a:alpha val="0"/>
+      </a:schemeClr>
+    </dgm:linClrLst>
+    <dgm:effectClrLst/>
+    <dgm:txLinClrLst/>
+    <dgm:txFillClrLst meth="repeat">
+      <a:schemeClr val="tx1"/>
+    </dgm:txFillClrLst>
+    <dgm:txEffectClrLst/>
+  </dgm:styleLbl>
+</dgm:colorsDef>
+</file>
+
+<file path=ppt/diagrams/data1.xml><?xml version="1.0" encoding="utf-8"?>
+<dgm:dataModel xmlns:dgm="http://schemas.openxmlformats.org/drawingml/2006/diagram" xmlns:a="http://schemas.openxmlformats.org/drawingml/2006/main">
+  <dgm:ptLst>
+    <dgm:pt modelId="{B76A7E94-E792-4E3C-8F13-3CA0A0B35BDE}" type="doc">
+      <dgm:prSet loTypeId="urn:microsoft.com/office/officeart/2005/8/layout/process1" loCatId="process" qsTypeId="urn:microsoft.com/office/officeart/2005/8/quickstyle/simple1" qsCatId="simple" csTypeId="urn:microsoft.com/office/officeart/2005/8/colors/accent2_2" csCatId="accent2" phldr="1"/>
+      <dgm:spPr/>
+    </dgm:pt>
+    <dgm:pt modelId="{FA3F1C19-7AA2-4EC6-9308-90101D4A5FDC}">
+      <dgm:prSet phldrT="[Text]"/>
+      <dgm:spPr/>
+      <dgm:t>
+        <a:bodyPr/>
+        <a:lstStyle/>
+        <a:p>
+          <a:r>
+            <a:rPr lang="en-GB" dirty="0"/>
+            <a:t>Get the data </a:t>
+          </a:r>
+        </a:p>
+      </dgm:t>
+    </dgm:pt>
+    <dgm:pt modelId="{5BB41C5D-83CE-445A-A2A0-ABD14E54393C}" type="parTrans" cxnId="{C1019D0E-2729-4269-ABF7-84B90F297B8D}">
+      <dgm:prSet/>
+      <dgm:spPr/>
+      <dgm:t>
+        <a:bodyPr/>
+        <a:lstStyle/>
+        <a:p>
+          <a:endParaRPr lang="en-GB"/>
+        </a:p>
+      </dgm:t>
+    </dgm:pt>
+    <dgm:pt modelId="{24ECA948-01A1-4F25-8F56-970A200BB38C}" type="sibTrans" cxnId="{C1019D0E-2729-4269-ABF7-84B90F297B8D}">
+      <dgm:prSet/>
+      <dgm:spPr/>
+      <dgm:t>
+        <a:bodyPr/>
+        <a:lstStyle/>
+        <a:p>
+          <a:endParaRPr lang="en-GB"/>
+        </a:p>
+      </dgm:t>
+    </dgm:pt>
+    <dgm:pt modelId="{DD7FC0B4-8309-41E9-B2CC-1D8D80DFC679}">
+      <dgm:prSet phldrT="[Text]"/>
+      <dgm:spPr/>
+      <dgm:t>
+        <a:bodyPr/>
+        <a:lstStyle/>
+        <a:p>
+          <a:r>
+            <a:rPr lang="en-GB" dirty="0"/>
+            <a:t>Learn LSTM about gender </a:t>
+          </a:r>
+        </a:p>
+      </dgm:t>
+    </dgm:pt>
+    <dgm:pt modelId="{B4789858-3B76-4853-8957-7567871091A7}" type="parTrans" cxnId="{ED666EF8-3BBC-4025-9442-DE4C582E36D4}">
+      <dgm:prSet/>
+      <dgm:spPr/>
+      <dgm:t>
+        <a:bodyPr/>
+        <a:lstStyle/>
+        <a:p>
+          <a:endParaRPr lang="en-GB"/>
+        </a:p>
+      </dgm:t>
+    </dgm:pt>
+    <dgm:pt modelId="{F4FF3BF1-DB85-45FB-BC49-DACB04A9016C}" type="sibTrans" cxnId="{ED666EF8-3BBC-4025-9442-DE4C582E36D4}">
+      <dgm:prSet/>
+      <dgm:spPr/>
+      <dgm:t>
+        <a:bodyPr/>
+        <a:lstStyle/>
+        <a:p>
+          <a:endParaRPr lang="en-GB"/>
+        </a:p>
+      </dgm:t>
+    </dgm:pt>
+    <dgm:pt modelId="{870EA9AB-910E-4B24-8BFE-56F240C5164B}">
+      <dgm:prSet phldrT="[Text]"/>
+      <dgm:spPr/>
+      <dgm:t>
+        <a:bodyPr/>
+        <a:lstStyle/>
+        <a:p>
+          <a:r>
+            <a:rPr lang="en-GB" dirty="0"/>
+            <a:t>Check what are the keywords</a:t>
+          </a:r>
+        </a:p>
+      </dgm:t>
+    </dgm:pt>
+    <dgm:pt modelId="{5B92BA47-C747-4934-86BD-E998AE5B78EA}" type="parTrans" cxnId="{6B66D4E0-3BA5-4FEF-BF34-A4AA196EA8C6}">
+      <dgm:prSet/>
+      <dgm:spPr/>
+      <dgm:t>
+        <a:bodyPr/>
+        <a:lstStyle/>
+        <a:p>
+          <a:endParaRPr lang="en-GB"/>
+        </a:p>
+      </dgm:t>
+    </dgm:pt>
+    <dgm:pt modelId="{4ECD2384-13FF-40ED-B931-6E896E3C1720}" type="sibTrans" cxnId="{6B66D4E0-3BA5-4FEF-BF34-A4AA196EA8C6}">
+      <dgm:prSet/>
+      <dgm:spPr/>
+      <dgm:t>
+        <a:bodyPr/>
+        <a:lstStyle/>
+        <a:p>
+          <a:endParaRPr lang="en-GB"/>
+        </a:p>
+      </dgm:t>
+    </dgm:pt>
+    <dgm:pt modelId="{251DFB2A-D9D0-48C8-8A88-D46B210D6B34}" type="pres">
+      <dgm:prSet presAssocID="{B76A7E94-E792-4E3C-8F13-3CA0A0B35BDE}" presName="Name0" presStyleCnt="0">
+        <dgm:presLayoutVars>
+          <dgm:dir/>
+          <dgm:resizeHandles val="exact"/>
+        </dgm:presLayoutVars>
+      </dgm:prSet>
+      <dgm:spPr/>
+    </dgm:pt>
+    <dgm:pt modelId="{46E7129E-47FF-420A-BFAD-EE1B4D6A1769}" type="pres">
+      <dgm:prSet presAssocID="{FA3F1C19-7AA2-4EC6-9308-90101D4A5FDC}" presName="node" presStyleLbl="node1" presStyleIdx="0" presStyleCnt="3">
+        <dgm:presLayoutVars>
+          <dgm:bulletEnabled val="1"/>
+        </dgm:presLayoutVars>
+      </dgm:prSet>
+      <dgm:spPr/>
+    </dgm:pt>
+    <dgm:pt modelId="{AFF84FFA-FACE-4CB1-8B8C-53D7D8EBB545}" type="pres">
+      <dgm:prSet presAssocID="{24ECA948-01A1-4F25-8F56-970A200BB38C}" presName="sibTrans" presStyleLbl="sibTrans2D1" presStyleIdx="0" presStyleCnt="2"/>
+      <dgm:spPr/>
+    </dgm:pt>
+    <dgm:pt modelId="{C061D36B-D8B0-40F3-9E06-56E8F67C24A6}" type="pres">
+      <dgm:prSet presAssocID="{24ECA948-01A1-4F25-8F56-970A200BB38C}" presName="connectorText" presStyleLbl="sibTrans2D1" presStyleIdx="0" presStyleCnt="2"/>
+      <dgm:spPr/>
+    </dgm:pt>
+    <dgm:pt modelId="{F89590D1-946A-41EF-A2EE-E4F7AEC8941B}" type="pres">
+      <dgm:prSet presAssocID="{DD7FC0B4-8309-41E9-B2CC-1D8D80DFC679}" presName="node" presStyleLbl="node1" presStyleIdx="1" presStyleCnt="3">
+        <dgm:presLayoutVars>
+          <dgm:bulletEnabled val="1"/>
+        </dgm:presLayoutVars>
+      </dgm:prSet>
+      <dgm:spPr/>
+    </dgm:pt>
+    <dgm:pt modelId="{0188C2F6-AFDE-414C-8EBC-F96200A6F61C}" type="pres">
+      <dgm:prSet presAssocID="{F4FF3BF1-DB85-45FB-BC49-DACB04A9016C}" presName="sibTrans" presStyleLbl="sibTrans2D1" presStyleIdx="1" presStyleCnt="2"/>
+      <dgm:spPr/>
+    </dgm:pt>
+    <dgm:pt modelId="{FB2B0279-B3AD-448D-BCBC-6A9FDBA948CF}" type="pres">
+      <dgm:prSet presAssocID="{F4FF3BF1-DB85-45FB-BC49-DACB04A9016C}" presName="connectorText" presStyleLbl="sibTrans2D1" presStyleIdx="1" presStyleCnt="2"/>
+      <dgm:spPr/>
+    </dgm:pt>
+    <dgm:pt modelId="{39FDE064-A5C8-49FD-94E4-AE23AB1EC578}" type="pres">
+      <dgm:prSet presAssocID="{870EA9AB-910E-4B24-8BFE-56F240C5164B}" presName="node" presStyleLbl="node1" presStyleIdx="2" presStyleCnt="3">
+        <dgm:presLayoutVars>
+          <dgm:bulletEnabled val="1"/>
+        </dgm:presLayoutVars>
+      </dgm:prSet>
+      <dgm:spPr/>
+    </dgm:pt>
+  </dgm:ptLst>
+  <dgm:cxnLst>
+    <dgm:cxn modelId="{48034E01-BA77-4F59-8C07-07BA978173EB}" type="presOf" srcId="{F4FF3BF1-DB85-45FB-BC49-DACB04A9016C}" destId="{FB2B0279-B3AD-448D-BCBC-6A9FDBA948CF}" srcOrd="1" destOrd="0" presId="urn:microsoft.com/office/officeart/2005/8/layout/process1"/>
+    <dgm:cxn modelId="{C1019D0E-2729-4269-ABF7-84B90F297B8D}" srcId="{B76A7E94-E792-4E3C-8F13-3CA0A0B35BDE}" destId="{FA3F1C19-7AA2-4EC6-9308-90101D4A5FDC}" srcOrd="0" destOrd="0" parTransId="{5BB41C5D-83CE-445A-A2A0-ABD14E54393C}" sibTransId="{24ECA948-01A1-4F25-8F56-970A200BB38C}"/>
+    <dgm:cxn modelId="{987F392D-C90B-4E32-9164-61AE9671A00E}" type="presOf" srcId="{870EA9AB-910E-4B24-8BFE-56F240C5164B}" destId="{39FDE064-A5C8-49FD-94E4-AE23AB1EC578}" srcOrd="0" destOrd="0" presId="urn:microsoft.com/office/officeart/2005/8/layout/process1"/>
+    <dgm:cxn modelId="{4BF0474B-8455-435D-AE0D-7CC763B5E2DB}" type="presOf" srcId="{F4FF3BF1-DB85-45FB-BC49-DACB04A9016C}" destId="{0188C2F6-AFDE-414C-8EBC-F96200A6F61C}" srcOrd="0" destOrd="0" presId="urn:microsoft.com/office/officeart/2005/8/layout/process1"/>
+    <dgm:cxn modelId="{249CB54F-8559-42DF-A446-7E25A387B681}" type="presOf" srcId="{FA3F1C19-7AA2-4EC6-9308-90101D4A5FDC}" destId="{46E7129E-47FF-420A-BFAD-EE1B4D6A1769}" srcOrd="0" destOrd="0" presId="urn:microsoft.com/office/officeart/2005/8/layout/process1"/>
+    <dgm:cxn modelId="{FD1A3872-BDD5-4AF1-983A-C1528C2FD1EF}" type="presOf" srcId="{24ECA948-01A1-4F25-8F56-970A200BB38C}" destId="{C061D36B-D8B0-40F3-9E06-56E8F67C24A6}" srcOrd="1" destOrd="0" presId="urn:microsoft.com/office/officeart/2005/8/layout/process1"/>
+    <dgm:cxn modelId="{57EE778D-6BFE-4951-A9DD-C4A441259E18}" type="presOf" srcId="{24ECA948-01A1-4F25-8F56-970A200BB38C}" destId="{AFF84FFA-FACE-4CB1-8B8C-53D7D8EBB545}" srcOrd="0" destOrd="0" presId="urn:microsoft.com/office/officeart/2005/8/layout/process1"/>
+    <dgm:cxn modelId="{913060A1-014C-4D8D-A38F-647FD5E298FC}" type="presOf" srcId="{B76A7E94-E792-4E3C-8F13-3CA0A0B35BDE}" destId="{251DFB2A-D9D0-48C8-8A88-D46B210D6B34}" srcOrd="0" destOrd="0" presId="urn:microsoft.com/office/officeart/2005/8/layout/process1"/>
+    <dgm:cxn modelId="{3038B7B5-229B-474E-B019-9BE0C98C08FC}" type="presOf" srcId="{DD7FC0B4-8309-41E9-B2CC-1D8D80DFC679}" destId="{F89590D1-946A-41EF-A2EE-E4F7AEC8941B}" srcOrd="0" destOrd="0" presId="urn:microsoft.com/office/officeart/2005/8/layout/process1"/>
+    <dgm:cxn modelId="{6B66D4E0-3BA5-4FEF-BF34-A4AA196EA8C6}" srcId="{B76A7E94-E792-4E3C-8F13-3CA0A0B35BDE}" destId="{870EA9AB-910E-4B24-8BFE-56F240C5164B}" srcOrd="2" destOrd="0" parTransId="{5B92BA47-C747-4934-86BD-E998AE5B78EA}" sibTransId="{4ECD2384-13FF-40ED-B931-6E896E3C1720}"/>
+    <dgm:cxn modelId="{ED666EF8-3BBC-4025-9442-DE4C582E36D4}" srcId="{B76A7E94-E792-4E3C-8F13-3CA0A0B35BDE}" destId="{DD7FC0B4-8309-41E9-B2CC-1D8D80DFC679}" srcOrd="1" destOrd="0" parTransId="{B4789858-3B76-4853-8957-7567871091A7}" sibTransId="{F4FF3BF1-DB85-45FB-BC49-DACB04A9016C}"/>
+    <dgm:cxn modelId="{E1497F5A-13E2-4743-9139-CB10435509EE}" type="presParOf" srcId="{251DFB2A-D9D0-48C8-8A88-D46B210D6B34}" destId="{46E7129E-47FF-420A-BFAD-EE1B4D6A1769}" srcOrd="0" destOrd="0" presId="urn:microsoft.com/office/officeart/2005/8/layout/process1"/>
+    <dgm:cxn modelId="{1BDE22F4-5C5F-40B2-AA04-808CFD5A1940}" type="presParOf" srcId="{251DFB2A-D9D0-48C8-8A88-D46B210D6B34}" destId="{AFF84FFA-FACE-4CB1-8B8C-53D7D8EBB545}" srcOrd="1" destOrd="0" presId="urn:microsoft.com/office/officeart/2005/8/layout/process1"/>
+    <dgm:cxn modelId="{DE520450-902D-4C58-99D8-0E1063B95EC1}" type="presParOf" srcId="{AFF84FFA-FACE-4CB1-8B8C-53D7D8EBB545}" destId="{C061D36B-D8B0-40F3-9E06-56E8F67C24A6}" srcOrd="0" destOrd="0" presId="urn:microsoft.com/office/officeart/2005/8/layout/process1"/>
+    <dgm:cxn modelId="{93B8B31A-BB61-41E3-904D-BC1FAA2550D8}" type="presParOf" srcId="{251DFB2A-D9D0-48C8-8A88-D46B210D6B34}" destId="{F89590D1-946A-41EF-A2EE-E4F7AEC8941B}" srcOrd="2" destOrd="0" presId="urn:microsoft.com/office/officeart/2005/8/layout/process1"/>
+    <dgm:cxn modelId="{0794D874-9022-47EB-808F-5D435843C1A8}" type="presParOf" srcId="{251DFB2A-D9D0-48C8-8A88-D46B210D6B34}" destId="{0188C2F6-AFDE-414C-8EBC-F96200A6F61C}" srcOrd="3" destOrd="0" presId="urn:microsoft.com/office/officeart/2005/8/layout/process1"/>
+    <dgm:cxn modelId="{01EEABEA-9730-4653-948F-24925472973C}" type="presParOf" srcId="{0188C2F6-AFDE-414C-8EBC-F96200A6F61C}" destId="{FB2B0279-B3AD-448D-BCBC-6A9FDBA948CF}" srcOrd="0" destOrd="0" presId="urn:microsoft.com/office/officeart/2005/8/layout/process1"/>
+    <dgm:cxn modelId="{7F2CED82-AFFD-4368-9A17-779901E4F47C}" type="presParOf" srcId="{251DFB2A-D9D0-48C8-8A88-D46B210D6B34}" destId="{39FDE064-A5C8-49FD-94E4-AE23AB1EC578}" srcOrd="4" destOrd="0" presId="urn:microsoft.com/office/officeart/2005/8/layout/process1"/>
+  </dgm:cxnLst>
+  <dgm:bg/>
+  <dgm:whole/>
+  <dgm:extLst>
+    <a:ext uri="http://schemas.microsoft.com/office/drawing/2008/diagram">
+      <dsp:dataModelExt xmlns:dsp="http://schemas.microsoft.com/office/drawing/2008/diagram" relId="rId7" minVer="http://schemas.openxmlformats.org/drawingml/2006/diagram"/>
+    </a:ext>
+  </dgm:extLst>
+</dgm:dataModel>
+</file>
+
+<file path=ppt/diagrams/drawing1.xml><?xml version="1.0" encoding="utf-8"?>
+<dsp:drawing xmlns:dgm="http://schemas.openxmlformats.org/drawingml/2006/diagram" xmlns:dsp="http://schemas.microsoft.com/office/drawing/2008/diagram" xmlns:a="http://schemas.openxmlformats.org/drawingml/2006/main">
+  <dsp:spTree>
+    <dsp:nvGrpSpPr>
+      <dsp:cNvPr id="0" name=""/>
+      <dsp:cNvGrpSpPr/>
+    </dsp:nvGrpSpPr>
+    <dsp:grpSpPr/>
+    <dsp:sp modelId="{46E7129E-47FF-420A-BFAD-EE1B4D6A1769}">
+      <dsp:nvSpPr>
+        <dsp:cNvPr id="0" name=""/>
+        <dsp:cNvSpPr/>
+      </dsp:nvSpPr>
+      <dsp:spPr>
+        <a:xfrm>
+          <a:off x="7355" y="2109010"/>
+          <a:ext cx="2198438" cy="1319062"/>
+        </a:xfrm>
+        <a:prstGeom prst="roundRect">
+          <a:avLst>
+            <a:gd name="adj" fmla="val 10000"/>
+          </a:avLst>
+        </a:prstGeom>
+        <a:solidFill>
+          <a:schemeClr val="accent2">
+            <a:hueOff val="0"/>
+            <a:satOff val="0"/>
+            <a:lumOff val="0"/>
+            <a:alphaOff val="0"/>
+          </a:schemeClr>
+        </a:solidFill>
+        <a:ln w="12700" cap="flat" cmpd="sng" algn="ctr">
+          <a:solidFill>
+            <a:schemeClr val="lt1">
+              <a:hueOff val="0"/>
+              <a:satOff val="0"/>
+              <a:lumOff val="0"/>
+              <a:alphaOff val="0"/>
+            </a:schemeClr>
+          </a:solidFill>
+          <a:prstDash val="solid"/>
+          <a:miter lim="800000"/>
+        </a:ln>
+        <a:effectLst/>
+      </dsp:spPr>
+      <dsp:style>
+        <a:lnRef idx="2">
+          <a:scrgbClr r="0" g="0" b="0"/>
+        </a:lnRef>
+        <a:fillRef idx="1">
+          <a:scrgbClr r="0" g="0" b="0"/>
+        </a:fillRef>
+        <a:effectRef idx="0">
+          <a:scrgbClr r="0" g="0" b="0"/>
+        </a:effectRef>
+        <a:fontRef idx="minor">
+          <a:schemeClr val="lt1"/>
+        </a:fontRef>
+      </dsp:style>
+      <dsp:txBody>
+        <a:bodyPr spcFirstLastPara="0" vert="horz" wrap="square" lIns="95250" tIns="95250" rIns="95250" bIns="95250" numCol="1" spcCol="1270" anchor="ctr" anchorCtr="0">
+          <a:noAutofit/>
+        </a:bodyPr>
+        <a:lstStyle/>
+        <a:p>
+          <a:pPr marL="0" lvl="0" indent="0" algn="ctr" defTabSz="1111250">
+            <a:lnSpc>
+              <a:spcPct val="90000"/>
+            </a:lnSpc>
+            <a:spcBef>
+              <a:spcPct val="0"/>
+            </a:spcBef>
+            <a:spcAft>
+              <a:spcPct val="35000"/>
+            </a:spcAft>
+            <a:buNone/>
+          </a:pPr>
+          <a:r>
+            <a:rPr lang="en-GB" sz="2500" kern="1200" dirty="0"/>
+            <a:t>Get the data </a:t>
+          </a:r>
+        </a:p>
+      </dsp:txBody>
+      <dsp:txXfrm>
+        <a:off x="45989" y="2147644"/>
+        <a:ext cx="2121170" cy="1241794"/>
+      </dsp:txXfrm>
+    </dsp:sp>
+    <dsp:sp modelId="{AFF84FFA-FACE-4CB1-8B8C-53D7D8EBB545}">
+      <dsp:nvSpPr>
+        <dsp:cNvPr id="0" name=""/>
+        <dsp:cNvSpPr/>
+      </dsp:nvSpPr>
+      <dsp:spPr>
+        <a:xfrm>
+          <a:off x="2425637" y="2495935"/>
+          <a:ext cx="466068" cy="545212"/>
+        </a:xfrm>
+        <a:prstGeom prst="rightArrow">
+          <a:avLst>
+            <a:gd name="adj1" fmla="val 60000"/>
+            <a:gd name="adj2" fmla="val 50000"/>
+          </a:avLst>
+        </a:prstGeom>
+        <a:solidFill>
+          <a:schemeClr val="accent2">
+            <a:tint val="60000"/>
+            <a:hueOff val="0"/>
+            <a:satOff val="0"/>
+            <a:lumOff val="0"/>
+            <a:alphaOff val="0"/>
+          </a:schemeClr>
+        </a:solidFill>
+        <a:ln>
+          <a:noFill/>
+        </a:ln>
+        <a:effectLst/>
+      </dsp:spPr>
+      <dsp:style>
+        <a:lnRef idx="0">
+          <a:scrgbClr r="0" g="0" b="0"/>
+        </a:lnRef>
+        <a:fillRef idx="1">
+          <a:scrgbClr r="0" g="0" b="0"/>
+        </a:fillRef>
+        <a:effectRef idx="0">
+          <a:scrgbClr r="0" g="0" b="0"/>
+        </a:effectRef>
+        <a:fontRef idx="minor">
+          <a:schemeClr val="lt1"/>
+        </a:fontRef>
+      </dsp:style>
+      <dsp:txBody>
+        <a:bodyPr spcFirstLastPara="0" vert="horz" wrap="square" lIns="0" tIns="0" rIns="0" bIns="0" numCol="1" spcCol="1270" anchor="ctr" anchorCtr="0">
+          <a:noAutofit/>
+        </a:bodyPr>
+        <a:lstStyle/>
+        <a:p>
+          <a:pPr marL="0" lvl="0" indent="0" algn="ctr" defTabSz="889000">
+            <a:lnSpc>
+              <a:spcPct val="90000"/>
+            </a:lnSpc>
+            <a:spcBef>
+              <a:spcPct val="0"/>
+            </a:spcBef>
+            <a:spcAft>
+              <a:spcPct val="35000"/>
+            </a:spcAft>
+            <a:buNone/>
+          </a:pPr>
+          <a:endParaRPr lang="en-GB" sz="2000" kern="1200"/>
+        </a:p>
+      </dsp:txBody>
+      <dsp:txXfrm>
+        <a:off x="2425637" y="2604977"/>
+        <a:ext cx="326248" cy="327128"/>
+      </dsp:txXfrm>
+    </dsp:sp>
+    <dsp:sp modelId="{F89590D1-946A-41EF-A2EE-E4F7AEC8941B}">
+      <dsp:nvSpPr>
+        <dsp:cNvPr id="0" name=""/>
+        <dsp:cNvSpPr/>
+      </dsp:nvSpPr>
+      <dsp:spPr>
+        <a:xfrm>
+          <a:off x="3085168" y="2109010"/>
+          <a:ext cx="2198438" cy="1319062"/>
+        </a:xfrm>
+        <a:prstGeom prst="roundRect">
+          <a:avLst>
+            <a:gd name="adj" fmla="val 10000"/>
+          </a:avLst>
+        </a:prstGeom>
+        <a:solidFill>
+          <a:schemeClr val="accent2">
+            <a:hueOff val="0"/>
+            <a:satOff val="0"/>
+            <a:lumOff val="0"/>
+            <a:alphaOff val="0"/>
+          </a:schemeClr>
+        </a:solidFill>
+        <a:ln w="12700" cap="flat" cmpd="sng" algn="ctr">
+          <a:solidFill>
+            <a:schemeClr val="lt1">
+              <a:hueOff val="0"/>
+              <a:satOff val="0"/>
+              <a:lumOff val="0"/>
+              <a:alphaOff val="0"/>
+            </a:schemeClr>
+          </a:solidFill>
+          <a:prstDash val="solid"/>
+          <a:miter lim="800000"/>
+        </a:ln>
+        <a:effectLst/>
+      </dsp:spPr>
+      <dsp:style>
+        <a:lnRef idx="2">
+          <a:scrgbClr r="0" g="0" b="0"/>
+        </a:lnRef>
+        <a:fillRef idx="1">
+          <a:scrgbClr r="0" g="0" b="0"/>
+        </a:fillRef>
+        <a:effectRef idx="0">
+          <a:scrgbClr r="0" g="0" b="0"/>
+        </a:effectRef>
+        <a:fontRef idx="minor">
+          <a:schemeClr val="lt1"/>
+        </a:fontRef>
+      </dsp:style>
+      <dsp:txBody>
+        <a:bodyPr spcFirstLastPara="0" vert="horz" wrap="square" lIns="95250" tIns="95250" rIns="95250" bIns="95250" numCol="1" spcCol="1270" anchor="ctr" anchorCtr="0">
+          <a:noAutofit/>
+        </a:bodyPr>
+        <a:lstStyle/>
+        <a:p>
+          <a:pPr marL="0" lvl="0" indent="0" algn="ctr" defTabSz="1111250">
+            <a:lnSpc>
+              <a:spcPct val="90000"/>
+            </a:lnSpc>
+            <a:spcBef>
+              <a:spcPct val="0"/>
+            </a:spcBef>
+            <a:spcAft>
+              <a:spcPct val="35000"/>
+            </a:spcAft>
+            <a:buNone/>
+          </a:pPr>
+          <a:r>
+            <a:rPr lang="en-GB" sz="2500" kern="1200" dirty="0"/>
+            <a:t>Learn LSTM about gender </a:t>
+          </a:r>
+        </a:p>
+      </dsp:txBody>
+      <dsp:txXfrm>
+        <a:off x="3123802" y="2147644"/>
+        <a:ext cx="2121170" cy="1241794"/>
+      </dsp:txXfrm>
+    </dsp:sp>
+    <dsp:sp modelId="{0188C2F6-AFDE-414C-8EBC-F96200A6F61C}">
+      <dsp:nvSpPr>
+        <dsp:cNvPr id="0" name=""/>
+        <dsp:cNvSpPr/>
+      </dsp:nvSpPr>
+      <dsp:spPr>
+        <a:xfrm>
+          <a:off x="5503450" y="2495935"/>
+          <a:ext cx="466068" cy="545212"/>
+        </a:xfrm>
+        <a:prstGeom prst="rightArrow">
+          <a:avLst>
+            <a:gd name="adj1" fmla="val 60000"/>
+            <a:gd name="adj2" fmla="val 50000"/>
+          </a:avLst>
+        </a:prstGeom>
+        <a:solidFill>
+          <a:schemeClr val="accent2">
+            <a:tint val="60000"/>
+            <a:hueOff val="0"/>
+            <a:satOff val="0"/>
+            <a:lumOff val="0"/>
+            <a:alphaOff val="0"/>
+          </a:schemeClr>
+        </a:solidFill>
+        <a:ln>
+          <a:noFill/>
+        </a:ln>
+        <a:effectLst/>
+      </dsp:spPr>
+      <dsp:style>
+        <a:lnRef idx="0">
+          <a:scrgbClr r="0" g="0" b="0"/>
+        </a:lnRef>
+        <a:fillRef idx="1">
+          <a:scrgbClr r="0" g="0" b="0"/>
+        </a:fillRef>
+        <a:effectRef idx="0">
+          <a:scrgbClr r="0" g="0" b="0"/>
+        </a:effectRef>
+        <a:fontRef idx="minor">
+          <a:schemeClr val="lt1"/>
+        </a:fontRef>
+      </dsp:style>
+      <dsp:txBody>
+        <a:bodyPr spcFirstLastPara="0" vert="horz" wrap="square" lIns="0" tIns="0" rIns="0" bIns="0" numCol="1" spcCol="1270" anchor="ctr" anchorCtr="0">
+          <a:noAutofit/>
+        </a:bodyPr>
+        <a:lstStyle/>
+        <a:p>
+          <a:pPr marL="0" lvl="0" indent="0" algn="ctr" defTabSz="889000">
+            <a:lnSpc>
+              <a:spcPct val="90000"/>
+            </a:lnSpc>
+            <a:spcBef>
+              <a:spcPct val="0"/>
+            </a:spcBef>
+            <a:spcAft>
+              <a:spcPct val="35000"/>
+            </a:spcAft>
+            <a:buNone/>
+          </a:pPr>
+          <a:endParaRPr lang="en-GB" sz="2000" kern="1200"/>
+        </a:p>
+      </dsp:txBody>
+      <dsp:txXfrm>
+        <a:off x="5503450" y="2604977"/>
+        <a:ext cx="326248" cy="327128"/>
+      </dsp:txXfrm>
+    </dsp:sp>
+    <dsp:sp modelId="{39FDE064-A5C8-49FD-94E4-AE23AB1EC578}">
+      <dsp:nvSpPr>
+        <dsp:cNvPr id="0" name=""/>
+        <dsp:cNvSpPr/>
+      </dsp:nvSpPr>
+      <dsp:spPr>
+        <a:xfrm>
+          <a:off x="6162982" y="2109010"/>
+          <a:ext cx="2198438" cy="1319062"/>
+        </a:xfrm>
+        <a:prstGeom prst="roundRect">
+          <a:avLst>
+            <a:gd name="adj" fmla="val 10000"/>
+          </a:avLst>
+        </a:prstGeom>
+        <a:solidFill>
+          <a:schemeClr val="accent2">
+            <a:hueOff val="0"/>
+            <a:satOff val="0"/>
+            <a:lumOff val="0"/>
+            <a:alphaOff val="0"/>
+          </a:schemeClr>
+        </a:solidFill>
+        <a:ln w="12700" cap="flat" cmpd="sng" algn="ctr">
+          <a:solidFill>
+            <a:schemeClr val="lt1">
+              <a:hueOff val="0"/>
+              <a:satOff val="0"/>
+              <a:lumOff val="0"/>
+              <a:alphaOff val="0"/>
+            </a:schemeClr>
+          </a:solidFill>
+          <a:prstDash val="solid"/>
+          <a:miter lim="800000"/>
+        </a:ln>
+        <a:effectLst/>
+      </dsp:spPr>
+      <dsp:style>
+        <a:lnRef idx="2">
+          <a:scrgbClr r="0" g="0" b="0"/>
+        </a:lnRef>
+        <a:fillRef idx="1">
+          <a:scrgbClr r="0" g="0" b="0"/>
+        </a:fillRef>
+        <a:effectRef idx="0">
+          <a:scrgbClr r="0" g="0" b="0"/>
+        </a:effectRef>
+        <a:fontRef idx="minor">
+          <a:schemeClr val="lt1"/>
+        </a:fontRef>
+      </dsp:style>
+      <dsp:txBody>
+        <a:bodyPr spcFirstLastPara="0" vert="horz" wrap="square" lIns="95250" tIns="95250" rIns="95250" bIns="95250" numCol="1" spcCol="1270" anchor="ctr" anchorCtr="0">
+          <a:noAutofit/>
+        </a:bodyPr>
+        <a:lstStyle/>
+        <a:p>
+          <a:pPr marL="0" lvl="0" indent="0" algn="ctr" defTabSz="1111250">
+            <a:lnSpc>
+              <a:spcPct val="90000"/>
+            </a:lnSpc>
+            <a:spcBef>
+              <a:spcPct val="0"/>
+            </a:spcBef>
+            <a:spcAft>
+              <a:spcPct val="35000"/>
+            </a:spcAft>
+            <a:buNone/>
+          </a:pPr>
+          <a:r>
+            <a:rPr lang="en-GB" sz="2500" kern="1200" dirty="0"/>
+            <a:t>Check what are the keywords</a:t>
+          </a:r>
+        </a:p>
+      </dsp:txBody>
+      <dsp:txXfrm>
+        <a:off x="6201616" y="2147644"/>
+        <a:ext cx="2121170" cy="1241794"/>
+      </dsp:txXfrm>
+    </dsp:sp>
+  </dsp:spTree>
+</dsp:drawing>
+</file>
+
+<file path=ppt/diagrams/layout1.xml><?xml version="1.0" encoding="utf-8"?>
+<dgm:layoutDef xmlns:dgm="http://schemas.openxmlformats.org/drawingml/2006/diagram" xmlns:a="http://schemas.openxmlformats.org/drawingml/2006/main" uniqueId="urn:microsoft.com/office/officeart/2005/8/layout/process1">
+  <dgm:title val=""/>
+  <dgm:desc val=""/>
+  <dgm:catLst>
+    <dgm:cat type="process" pri="1000"/>
+    <dgm:cat type="convert" pri="15000"/>
+  </dgm:catLst>
+  <dgm:sampData useDef="1">
+    <dgm:dataModel>
+      <dgm:ptLst/>
+      <dgm:bg/>
+      <dgm:whole/>
+    </dgm:dataModel>
+  </dgm:sampData>
+  <dgm:styleData>
+    <dgm:dataModel>
+      <dgm:ptLst>
+        <dgm:pt modelId="0" type="doc"/>
+        <dgm:pt modelId="1"/>
+        <dgm:pt modelId="2"/>
+      </dgm:ptLst>
+      <dgm:cxnLst>
+        <dgm:cxn modelId="3" srcId="0" destId="1" srcOrd="0" destOrd="0"/>
+        <dgm:cxn modelId="4" srcId="0" destId="2" srcOrd="1" destOrd="0"/>
+      </dgm:cxnLst>
+      <dgm:bg/>
+      <dgm:whole/>
+    </dgm:dataModel>
+  </dgm:styleData>
+  <dgm:clrData>
+    <dgm:dataModel>
+      <dgm:ptLst>
+        <dgm:pt modelId="0" type="doc"/>
+        <dgm:pt modelId="1"/>
+        <dgm:pt modelId="2"/>
+        <dgm:pt modelId="3"/>
+        <dgm:pt modelId="4"/>
+      </dgm:ptLst>
+      <dgm:cxnLst>
+        <dgm:cxn modelId="5" srcId="0" destId="1" srcOrd="0" destOrd="0"/>
+        <dgm:cxn modelId="6" srcId="0" destId="2" srcOrd="1" destOrd="0"/>
+        <dgm:cxn modelId="7" srcId="0" destId="3" srcOrd="2" destOrd="0"/>
+        <dgm:cxn modelId="8" srcId="0" destId="4" srcOrd="3" destOrd="0"/>
+      </dgm:cxnLst>
+      <dgm:bg/>
+      <dgm:whole/>
+    </dgm:dataModel>
+  </dgm:clrData>
+  <dgm:layoutNode name="Name0">
+    <dgm:varLst>
+      <dgm:dir/>
+      <dgm:resizeHandles val="exact"/>
+    </dgm:varLst>
+    <dgm:choose name="Name1">
+      <dgm:if name="Name2" func="var" arg="dir" op="equ" val="norm">
+        <dgm:alg type="lin"/>
+      </dgm:if>
+      <dgm:else name="Name3">
+        <dgm:alg type="lin">
+          <dgm:param type="linDir" val="fromR"/>
+        </dgm:alg>
+      </dgm:else>
+    </dgm:choose>
+    <dgm:shape xmlns:r="http://schemas.openxmlformats.org/officeDocument/2006/relationships" r:blip="">
+      <dgm:adjLst/>
+    </dgm:shape>
+    <dgm:presOf/>
+    <dgm:constrLst>
+      <dgm:constr type="w" for="ch" ptType="node" refType="w"/>
+      <dgm:constr type="h" for="ch" ptType="node" op="equ"/>
+      <dgm:constr type="primFontSz" for="ch" ptType="node" op="equ" val="65"/>
+      <dgm:constr type="w" for="ch" ptType="sibTrans" refType="w" refFor="ch" refPtType="node" op="equ" fact="0.4"/>
+      <dgm:constr type="h" for="ch" ptType="sibTrans" op="equ"/>
+      <dgm:constr type="primFontSz" for="des" forName="connectorText" op="equ" val="55"/>
+      <dgm:constr type="primFontSz" for="des" forName="connectorText" refType="primFontSz" refFor="ch" refPtType="node" op="lte" fact="0.8"/>
+    </dgm:constrLst>
+    <dgm:ruleLst/>
+    <dgm:forEach name="nodesForEach" axis="ch" ptType="node">
+      <dgm:layoutNode name="node">
+        <dgm:varLst>
+          <dgm:bulletEnabled val="1"/>
+        </dgm:varLst>
+        <dgm:alg type="tx"/>
+        <dgm:shape xmlns:r="http://schemas.openxmlformats.org/officeDocument/2006/relationships" type="roundRect" r:blip="">
+          <dgm:adjLst>
+            <dgm:adj idx="1" val="0.1"/>
+          </dgm:adjLst>
+        </dgm:shape>
+        <dgm:presOf axis="desOrSelf" ptType="node"/>
+        <dgm:constrLst>
+          <dgm:constr type="h" refType="w" fact="0.6"/>
+          <dgm:constr type="tMarg" refType="primFontSz" fact="0.3"/>
+          <dgm:constr type="bMarg" refType="primFontSz" fact="0.3"/>
+          <dgm:constr type="lMarg" refType="primFontSz" fact="0.3"/>
+          <dgm:constr type="rMarg" refType="primFontSz" fact="0.3"/>
+        </dgm:constrLst>
+        <dgm:ruleLst>
+          <dgm:rule type="primFontSz" val="18" fact="NaN" max="NaN"/>
+          <dgm:rule type="h" val="NaN" fact="1.5" max="NaN"/>
+          <dgm:rule type="primFontSz" val="5" fact="NaN" max="NaN"/>
+          <dgm:rule type="h" val="INF" fact="NaN" max="NaN"/>
+        </dgm:ruleLst>
+      </dgm:layoutNode>
+      <dgm:forEach name="sibTransForEach" axis="followSib" ptType="sibTrans" cnt="1">
+        <dgm:layoutNode name="sibTrans">
+          <dgm:alg type="conn">
+            <dgm:param type="begPts" val="auto"/>
+            <dgm:param type="endPts" val="auto"/>
+          </dgm:alg>
+          <dgm:shape xmlns:r="http://schemas.openxmlformats.org/officeDocument/2006/relationships" type="conn" r:blip="">
+            <dgm:adjLst/>
+          </dgm:shape>
+          <dgm:presOf axis="self"/>
+          <dgm:constrLst>
+            <dgm:constr type="h" refType="w" fact="0.62"/>
+            <dgm:constr type="connDist"/>
+            <dgm:constr type="begPad" refType="connDist" fact="0.25"/>
+            <dgm:constr type="endPad" refType="connDist" fact="0.22"/>
+          </dgm:constrLst>
+          <dgm:ruleLst/>
+          <dgm:layoutNode name="connectorText">
+            <dgm:alg type="tx">
+              <dgm:param type="autoTxRot" val="grav"/>
+            </dgm:alg>
+            <dgm:shape xmlns:r="http://schemas.openxmlformats.org/officeDocument/2006/relationships" type="conn" r:blip="" hideGeom="1">
+              <dgm:adjLst/>
+            </dgm:shape>
+            <dgm:presOf axis="self"/>
+            <dgm:constrLst>
+              <dgm:constr type="lMarg"/>
+              <dgm:constr type="rMarg"/>
+              <dgm:constr type="tMarg"/>
+              <dgm:constr type="bMarg"/>
+            </dgm:constrLst>
+            <dgm:ruleLst>
+              <dgm:rule type="primFontSz" val="5" fact="NaN" max="NaN"/>
+            </dgm:ruleLst>
+          </dgm:layoutNode>
+        </dgm:layoutNode>
+      </dgm:forEach>
+    </dgm:forEach>
+  </dgm:layoutNode>
+</dgm:layoutDef>
+</file>
+
+<file path=ppt/diagrams/quickStyle1.xml><?xml version="1.0" encoding="utf-8"?>
+<dgm:styleDef xmlns:dgm="http://schemas.openxmlformats.org/drawingml/2006/diagram" xmlns:a="http://schemas.openxmlformats.org/drawingml/2006/main" uniqueId="urn:microsoft.com/office/officeart/2005/8/quickstyle/simple1">
+  <dgm:title val=""/>
+  <dgm:desc val=""/>
+  <dgm:catLst>
+    <dgm:cat type="simple" pri="10100"/>
+  </dgm:catLst>
+  <dgm:scene3d>
+    <a:camera prst="orthographicFront"/>
+    <a:lightRig rig="threePt" dir="t"/>
+  </dgm:scene3d>
+  <dgm:styleLbl name="node0">
+    <dgm:scene3d>
+      <a:camera prst="orthographicFront"/>
+      <a:lightRig rig="threePt" dir="t"/>
+    </dgm:scene3d>
+    <dgm:sp3d/>
+    <dgm:txPr/>
+    <dgm:style>
+      <a:lnRef idx="2">
+        <a:scrgbClr r="0" g="0" b="0"/>
+      </a:lnRef>
+      <a:fillRef idx="1">
+        <a:scrgbClr r="0" g="0" b="0"/>
+      </a:fillRef>
+      <a:effectRef idx="0">
+        <a:scrgbClr r="0" g="0" b="0"/>
+      </a:effectRef>
+      <a:fontRef idx="minor">
+        <a:schemeClr val="lt1"/>
+      </a:fontRef>
+    </dgm:style>
+  </dgm:styleLbl>
+  <dgm:styleLbl name="lnNode1">
+    <dgm:scene3d>
+      <a:camera prst="orthographicFront"/>
+      <a:lightRig rig="threePt" dir="t"/>
+    </dgm:scene3d>
+    <dgm:sp3d/>
+    <dgm:txPr/>
+    <dgm:style>
+      <a:lnRef idx="2">
+        <a:scrgbClr r="0" g="0" b="0"/>
+      </a:lnRef>
+      <a:fillRef idx="1">
+        <a:scrgbClr r="0" g="0" b="0"/>
+      </a:fillRef>
+      <a:effectRef idx="0">
+        <a:scrgbClr r="0" g="0" b="0"/>
+      </a:effectRef>
+      <a:fontRef idx="minor">
+        <a:schemeClr val="lt1"/>
+      </a:fontRef>
+    </dgm:style>
+  </dgm:styleLbl>
+  <dgm:styleLbl name="vennNode1">
+    <dgm:scene3d>
+      <a:camera prst="orthographicFront"/>
+      <a:lightRig rig="threePt" dir="t"/>
+    </dgm:scene3d>
+    <dgm:sp3d/>
+    <dgm:txPr/>
+    <dgm:style>
+      <a:lnRef idx="2">
+        <a:scrgbClr r="0" g="0" b="0"/>
+      </a:lnRef>
+      <a:fillRef idx="1">
+        <a:scrgbClr r="0" g="0" b="0"/>
+      </a:fillRef>
+      <a:effectRef idx="0">
+        <a:scrgbClr r="0" g="0" b="0"/>
+      </a:effectRef>
+      <a:fontRef idx="minor">
+        <a:schemeClr val="tx1"/>
+      </a:fontRef>
+    </dgm:style>
+  </dgm:styleLbl>
+  <dgm:styleLbl name="alignNode1">
+    <dgm:scene3d>
+      <a:camera prst="orthographicFront"/>
+      <a:lightRig rig="threePt" dir="t"/>
+    </dgm:scene3d>
+    <dgm:sp3d/>
+    <dgm:txPr/>
+    <dgm:style>
+      <a:lnRef idx="2">
+        <a:scrgbClr r="0" g="0" b="0"/>
+      </a:lnRef>
+      <a:fillRef idx="1">
+        <a:scrgbClr r="0" g="0" b="0"/>
+      </a:fillRef>
+      <a:effectRef idx="0">
+        <a:scrgbClr r="0" g="0" b="0"/>
+      </a:effectRef>
+      <a:fontRef idx="minor">
+        <a:schemeClr val="lt1"/>
+      </a:fontRef>
+    </dgm:style>
+  </dgm:styleLbl>
+  <dgm:styleLbl name="node1">
+    <dgm:scene3d>
+      <a:camera prst="orthographicFront"/>
+      <a:lightRig rig="threePt" dir="t"/>
+    </dgm:scene3d>
+    <dgm:sp3d/>
+    <dgm:txPr/>
+    <dgm:style>
+      <a:lnRef idx="2">
+        <a:scrgbClr r="0" g="0" b="0"/>
+      </a:lnRef>
+      <a:fillRef idx="1">
+        <a:scrgbClr r="0" g="0" b="0"/>
+      </a:fillRef>
+      <a:effectRef idx="0">
+        <a:scrgbClr r="0" g="0" b="0"/>
+      </a:effectRef>
+      <a:fontRef idx="minor">
+        <a:schemeClr val="lt1"/>
+      </a:fontRef>
+    </dgm:style>
+  </dgm:styleLbl>
+  <dgm:styleLbl name="node2">
+    <dgm:scene3d>
+      <a:camera prst="orthographicFront"/>
+      <a:lightRig rig="threePt" dir="t"/>
+    </dgm:scene3d>
+    <dgm:sp3d/>
+    <dgm:txPr/>
+    <dgm:style>
+      <a:lnRef idx="2">
+        <a:scrgbClr r="0" g="0" b="0"/>
+      </a:lnRef>
+      <a:fillRef idx="1">
+        <a:scrgbClr r="0" g="0" b="0"/>
+      </a:fillRef>
+      <a:effectRef idx="0">
+        <a:scrgbClr r="0" g="0" b="0"/>
+      </a:effectRef>
+      <a:fontRef idx="minor">
+        <a:schemeClr val="lt1"/>
+      </a:fontRef>
+    </dgm:style>
+  </dgm:styleLbl>
+  <dgm:styleLbl name="node3">
+    <dgm:scene3d>
+      <a:camera prst="orthographicFront"/>
+      <a:lightRig rig="threePt" dir="t"/>
+    </dgm:scene3d>
+    <dgm:sp3d/>
+    <dgm:txPr/>
+    <dgm:style>
+      <a:lnRef idx="2">
+        <a:scrgbClr r="0" g="0" b="0"/>
+      </a:lnRef>
+      <a:fillRef idx="1">
+        <a:scrgbClr r="0" g="0" b="0"/>
+      </a:fillRef>
+      <a:effectRef idx="0">
+        <a:scrgbClr r="0" g="0" b="0"/>
+      </a:effectRef>
+      <a:fontRef idx="minor">
+        <a:schemeClr val="lt1"/>
+      </a:fontRef>
+    </dgm:style>
+  </dgm:styleLbl>
+  <dgm:styleLbl name="node4">
+    <dgm:scene3d>
+      <a:camera prst="orthographicFront"/>
+      <a:lightRig rig="threePt" dir="t"/>
+    </dgm:scene3d>
+    <dgm:sp3d/>
+    <dgm:txPr/>
+    <dgm:style>
+      <a:lnRef idx="2">
+        <a:scrgbClr r="0" g="0" b="0"/>
+      </a:lnRef>
+      <a:fillRef idx="1">
+        <a:scrgbClr r="0" g="0" b="0"/>
+      </a:fillRef>
+      <a:effectRef idx="0">
+        <a:scrgbClr r="0" g="0" b="0"/>
+      </a:effectRef>
+      <a:fontRef idx="minor">
+        <a:schemeClr val="lt1"/>
+      </a:fontRef>
+    </dgm:style>
+  </dgm:styleLbl>
+  <dgm:styleLbl name="fgImgPlace1">
+    <dgm:scene3d>
+      <a:camera prst="orthographicFront"/>
+      <a:lightRig rig="threePt" dir="t"/>
+    </dgm:scene3d>
+    <dgm:sp3d/>
+    <dgm:txPr/>
+    <dgm:style>
+      <a:lnRef idx="2">
+        <a:scrgbClr r="0" g="0" b="0"/>
+      </a:lnRef>
+      <a:fillRef idx="1">
+        <a:scrgbClr r="0" g="0" b="0"/>
+      </a:fillRef>
+      <a:effectRef idx="0">
+        <a:scrgbClr r="0" g="0" b="0"/>
+      </a:effectRef>
+      <a:fontRef idx="minor"/>
+    </dgm:style>
+  </dgm:styleLbl>
+  <dgm:styleLbl name="alignImgPlace1">
+    <dgm:scene3d>
+      <a:camera prst="orthographicFront"/>
+      <a:lightRig rig="threePt" dir="t"/>
+    </dgm:scene3d>
+    <dgm:sp3d/>
+    <dgm:txPr/>
+    <dgm:style>
+      <a:lnRef idx="2">
+        <a:scrgbClr r="0" g="0" b="0"/>
+      </a:lnRef>
+      <a:fillRef idx="1">
+        <a:scrgbClr r="0" g="0" b="0"/>
+      </a:fillRef>
+      <a:effectRef idx="0">
+        <a:scrgbClr r="0" g="0" b="0"/>
+      </a:effectRef>
+      <a:fontRef idx="minor"/>
+    </dgm:style>
+  </dgm:styleLbl>
+  <dgm:styleLbl name="bgImgPlace1">
+    <dgm:scene3d>
+      <a:camera prst="orthographicFront"/>
+      <a:lightRig rig="threePt" dir="t"/>
+    </dgm:scene3d>
+    <dgm:sp3d/>
+    <dgm:txPr/>
+    <dgm:style>
+      <a:lnRef idx="2">
+        <a:scrgbClr r="0" g="0" b="0"/>
+      </a:lnRef>
+      <a:fillRef idx="1">
+        <a:scrgbClr r="0" g="0" b="0"/>
+      </a:fillRef>
+      <a:effectRef idx="0">
+        <a:scrgbClr r="0" g="0" b="0"/>
+      </a:effectRef>
+      <a:fontRef idx="minor"/>
+    </dgm:style>
+  </dgm:styleLbl>
+  <dgm:styleLbl name="sibTrans2D1">
+    <dgm:scene3d>
+      <a:camera prst="orthographicFront"/>
+      <a:lightRig rig="threePt" dir="t"/>
+    </dgm:scene3d>
+    <dgm:sp3d/>
+    <dgm:txPr/>
+    <dgm:style>
+      <a:lnRef idx="0">
+        <a:scrgbClr r="0" g="0" b="0"/>
+      </a:lnRef>
+      <a:fillRef idx="1">
+        <a:scrgbClr r="0" g="0" b="0"/>
+      </a:fillRef>
+      <a:effectRef idx="0">
+        <a:scrgbClr r="0" g="0" b="0"/>
+      </a:effectRef>
+      <a:fontRef idx="minor">
+        <a:schemeClr val="lt1"/>
+      </a:fontRef>
+    </dgm:style>
+  </dgm:styleLbl>
+  <dgm:styleLbl name="fgSibTrans2D1">
+    <dgm:scene3d>
+      <a:camera prst="orthographicFront"/>
+      <a:lightRig rig="threePt" dir="t"/>
+    </dgm:scene3d>
+    <dgm:sp3d/>
+    <dgm:txPr/>
+    <dgm:style>
+      <a:lnRef idx="0">
+        <a:scrgbClr r="0" g="0" b="0"/>
+      </a:lnRef>
+      <a:fillRef idx="1">
+        <a:scrgbClr r="0" g="0" b="0"/>
+      </a:fillRef>
+      <a:effectRef idx="0">
+        <a:scrgbClr r="0" g="0" b="0"/>
+      </a:effectRef>
+      <a:fontRef idx="minor">
+        <a:schemeClr val="lt1"/>
+      </a:fontRef>
+    </dgm:style>
+  </dgm:styleLbl>
+  <dgm:styleLbl name="bgSibTrans2D1">
+    <dgm:scene3d>
+      <a:camera prst="orthographicFront"/>
+      <a:lightRig rig="threePt" dir="t"/>
+    </dgm:scene3d>
+    <dgm:sp3d/>
+    <dgm:txPr/>
+    <dgm:style>
+      <a:lnRef idx="0">
+        <a:scrgbClr r="0" g="0" b="0"/>
+      </a:lnRef>
+      <a:fillRef idx="1">
+        <a:scrgbClr r="0" g="0" b="0"/>
+      </a:fillRef>
+      <a:effectRef idx="0">
+        <a:scrgbClr r="0" g="0" b="0"/>
+      </a:effectRef>
+      <a:fontRef idx="minor">
+        <a:schemeClr val="lt1"/>
+      </a:fontRef>
+    </dgm:style>
+  </dgm:styleLbl>
+  <dgm:styleLbl name="sibTrans1D1">
+    <dgm:scene3d>
+      <a:camera prst="orthographicFront"/>
+      <a:lightRig rig="threePt" dir="t"/>
+    </dgm:scene3d>
+    <dgm:sp3d/>
+    <dgm:txPr/>
+    <dgm:style>
+      <a:lnRef idx="1">
+        <a:scrgbClr r="0" g="0" b="0"/>
+      </a:lnRef>
+      <a:fillRef idx="0">
+        <a:scrgbClr r="0" g="0" b="0"/>
+      </a:fillRef>
+      <a:effectRef idx="0">
+        <a:scrgbClr r="0" g="0" b="0"/>
+      </a:effectRef>
+      <a:fontRef idx="minor"/>
+    </dgm:style>
+  </dgm:styleLbl>
+  <dgm:styleLbl name="callout">
+    <dgm:scene3d>
+      <a:camera prst="orthographicFront"/>
+      <a:lightRig rig="threePt" dir="t"/>
+    </dgm:scene3d>
+    <dgm:sp3d/>
+    <dgm:txPr/>
+    <dgm:style>
+      <a:lnRef idx="2">
+        <a:scrgbClr r="0" g="0" b="0"/>
+      </a:lnRef>
+      <a:fillRef idx="1">
+        <a:scrgbClr r="0" g="0" b="0"/>
+      </a:fillRef>
+      <a:effectRef idx="0">
+        <a:scrgbClr r="0" g="0" b="0"/>
+      </a:effectRef>
+      <a:fontRef idx="minor"/>
+    </dgm:style>
+  </dgm:styleLbl>
+  <dgm:styleLbl name="asst0">
+    <dgm:scene3d>
+      <a:camera prst="orthographicFront"/>
+      <a:lightRig rig="threePt" dir="t"/>
+    </dgm:scene3d>
+    <dgm:sp3d/>
+    <dgm:txPr/>
+    <dgm:style>
+      <a:lnRef idx="2">
+        <a:scrgbClr r="0" g="0" b="0"/>
+      </a:lnRef>
+      <a:fillRef idx="1">
+        <a:scrgbClr r="0" g="0" b="0"/>
+      </a:fillRef>
+      <a:effectRef idx="0">
+        <a:scrgbClr r="0" g="0" b="0"/>
+      </a:effectRef>
+      <a:fontRef idx="minor">
+        <a:schemeClr val="lt1"/>
+      </a:fontRef>
+    </dgm:style>
+  </dgm:styleLbl>
+  <dgm:styleLbl name="asst1">
+    <dgm:scene3d>
+      <a:camera prst="orthographicFront"/>
+      <a:lightRig rig="threePt" dir="t"/>
+    </dgm:scene3d>
+    <dgm:sp3d/>
+    <dgm:txPr/>
+    <dgm:style>
+      <a:lnRef idx="2">
+        <a:scrgbClr r="0" g="0" b="0"/>
+      </a:lnRef>
+      <a:fillRef idx="1">
+        <a:scrgbClr r="0" g="0" b="0"/>
+      </a:fillRef>
+      <a:effectRef idx="0">
+        <a:scrgbClr r="0" g="0" b="0"/>
+      </a:effectRef>
+      <a:fontRef idx="minor">
+        <a:schemeClr val="lt1"/>
+      </a:fontRef>
+    </dgm:style>
+  </dgm:styleLbl>
+  <dgm:styleLbl name="asst2">
+    <dgm:scene3d>
+      <a:camera prst="orthographicFront"/>
+      <a:lightRig rig="threePt" dir="t"/>
+    </dgm:scene3d>
+    <dgm:sp3d/>
+    <dgm:txPr/>
+    <dgm:style>
+      <a:lnRef idx="2">
+        <a:scrgbClr r="0" g="0" b="0"/>
+      </a:lnRef>
+      <a:fillRef idx="1">
+        <a:scrgbClr r="0" g="0" b="0"/>
+      </a:fillRef>
+      <a:effectRef idx="0">
+        <a:scrgbClr r="0" g="0" b="0"/>
+      </a:effectRef>
+      <a:fontRef idx="minor">
+        <a:schemeClr val="lt1"/>
+      </a:fontRef>
+    </dgm:style>
+  </dgm:styleLbl>
+  <dgm:styleLbl name="asst3">
+    <dgm:scene3d>
+      <a:camera prst="orthographicFront"/>
+      <a:lightRig rig="threePt" dir="t"/>
+    </dgm:scene3d>
+    <dgm:sp3d/>
+    <dgm:txPr/>
+    <dgm:style>
+      <a:lnRef idx="2">
+        <a:scrgbClr r="0" g="0" b="0"/>
+      </a:lnRef>
+      <a:fillRef idx="1">
+        <a:scrgbClr r="0" g="0" b="0"/>
+      </a:fillRef>
+      <a:effectRef idx="0">
+        <a:scrgbClr r="0" g="0" b="0"/>
+      </a:effectRef>
+      <a:fontRef idx="minor">
+        <a:schemeClr val="lt1"/>
+      </a:fontRef>
+    </dgm:style>
+  </dgm:styleLbl>
+  <dgm:styleLbl name="asst4">
+    <dgm:scene3d>
+      <a:camera prst="orthographicFront"/>
+      <a:lightRig rig="threePt" dir="t"/>
+    </dgm:scene3d>
+    <dgm:sp3d/>
+    <dgm:txPr/>
+    <dgm:style>
+      <a:lnRef idx="2">
+        <a:scrgbClr r="0" g="0" b="0"/>
+      </a:lnRef>
+      <a:fillRef idx="1">
+        <a:scrgbClr r="0" g="0" b="0"/>
+      </a:fillRef>
+      <a:effectRef idx="0">
+        <a:scrgbClr r="0" g="0" b="0"/>
+      </a:effectRef>
+      <a:fontRef idx="minor">
+        <a:schemeClr val="lt1"/>
+      </a:fontRef>
+    </dgm:style>
+  </dgm:styleLbl>
+  <dgm:styleLbl name="parChTrans2D1">
+    <dgm:scene3d>
+      <a:camera prst="orthographicFront"/>
+      <a:lightRig rig="threePt" dir="t"/>
+    </dgm:scene3d>
+    <dgm:sp3d/>
+    <dgm:txPr/>
+    <dgm:style>
+      <a:lnRef idx="2">
+        <a:scrgbClr r="0" g="0" b="0"/>
+      </a:lnRef>
+      <a:fillRef idx="1">
+        <a:scrgbClr r="0" g="0" b="0"/>
+      </a:fillRef>
+      <a:effectRef idx="0">
+        <a:scrgbClr r="0" g="0" b="0"/>
+      </a:effectRef>
+      <a:fontRef idx="minor">
+        <a:schemeClr val="lt1"/>
+      </a:fontRef>
+    </dgm:style>
+  </dgm:styleLbl>
+  <dgm:styleLbl name="parChTrans2D2">
+    <dgm:scene3d>
+      <a:camera prst="orthographicFront"/>
+      <a:lightRig rig="threePt" dir="t"/>
+    </dgm:scene3d>
+    <dgm:sp3d/>
+    <dgm:txPr/>
+    <dgm:style>
+      <a:lnRef idx="2">
+        <a:scrgbClr r="0" g="0" b="0"/>
+      </a:lnRef>
+      <a:fillRef idx="1">
+        <a:scrgbClr r="0" g="0" b="0"/>
+      </a:fillRef>
+      <a:effectRef idx="0">
+        <a:scrgbClr r="0" g="0" b="0"/>
+      </a:effectRef>
+      <a:fontRef idx="minor">
+        <a:schemeClr val="lt1"/>
+      </a:fontRef>
+    </dgm:style>
+  </dgm:styleLbl>
+  <dgm:styleLbl name="parChTrans2D3">
+    <dgm:scene3d>
+      <a:camera prst="orthographicFront"/>
+      <a:lightRig rig="threePt" dir="t"/>
+    </dgm:scene3d>
+    <dgm:sp3d/>
+    <dgm:txPr/>
+    <dgm:style>
+      <a:lnRef idx="2">
+        <a:scrgbClr r="0" g="0" b="0"/>
+      </a:lnRef>
+      <a:fillRef idx="1">
+        <a:scrgbClr r="0" g="0" b="0"/>
+      </a:fillRef>
+      <a:effectRef idx="0">
+        <a:scrgbClr r="0" g="0" b="0"/>
+      </a:effectRef>
+      <a:fontRef idx="minor">
+        <a:schemeClr val="lt1"/>
+      </a:fontRef>
+    </dgm:style>
+  </dgm:styleLbl>
+  <dgm:styleLbl name="parChTrans2D4">
+    <dgm:scene3d>
+      <a:camera prst="orthographicFront"/>
+      <a:lightRig rig="threePt" dir="t"/>
+    </dgm:scene3d>
+    <dgm:sp3d/>
+    <dgm:txPr/>
+    <dgm:style>
+      <a:lnRef idx="2">
+        <a:scrgbClr r="0" g="0" b="0"/>
+      </a:lnRef>
+      <a:fillRef idx="1">
+        <a:scrgbClr r="0" g="0" b="0"/>
+      </a:fillRef>
+      <a:effectRef idx="0">
+        <a:scrgbClr r="0" g="0" b="0"/>
+      </a:effectRef>
+      <a:fontRef idx="minor">
+        <a:schemeClr val="lt1"/>
+      </a:fontRef>
+    </dgm:style>
+  </dgm:styleLbl>
+  <dgm:styleLbl name="parChTrans1D1">
+    <dgm:scene3d>
+      <a:camera prst="orthographicFront"/>
+      <a:lightRig rig="threePt" dir="t"/>
+    </dgm:scene3d>
+    <dgm:sp3d/>
+    <dgm:txPr/>
+    <dgm:style>
+      <a:lnRef idx="2">
+        <a:scrgbClr r="0" g="0" b="0"/>
+      </a:lnRef>
+      <a:fillRef idx="0">
+        <a:scrgbClr r="0" g="0" b="0"/>
+      </a:fillRef>
+      <a:effectRef idx="0">
+        <a:scrgbClr r="0" g="0" b="0"/>
+      </a:effectRef>
+      <a:fontRef idx="minor"/>
+    </dgm:style>
+  </dgm:styleLbl>
+  <dgm:styleLbl name="parChTrans1D2">
+    <dgm:scene3d>
+      <a:camera prst="orthographicFront"/>
+      <a:lightRig rig="threePt" dir="t"/>
+    </dgm:scene3d>
+    <dgm:sp3d/>
+    <dgm:txPr/>
+    <dgm:style>
+      <a:lnRef idx="2">
+        <a:scrgbClr r="0" g="0" b="0"/>
+      </a:lnRef>
+      <a:fillRef idx="0">
+        <a:scrgbClr r="0" g="0" b="0"/>
+      </a:fillRef>
+      <a:effectRef idx="0">
+        <a:scrgbClr r="0" g="0" b="0"/>
+      </a:effectRef>
+      <a:fontRef idx="minor"/>
+    </dgm:style>
+  </dgm:styleLbl>
+  <dgm:styleLbl name="parChTrans1D3">
+    <dgm:scene3d>
+      <a:camera prst="orthographicFront"/>
+      <a:lightRig rig="threePt" dir="t"/>
+    </dgm:scene3d>
+    <dgm:sp3d/>
+    <dgm:txPr/>
+    <dgm:style>
+      <a:lnRef idx="2">
+        <a:scrgbClr r="0" g="0" b="0"/>
+      </a:lnRef>
+      <a:fillRef idx="0">
+        <a:scrgbClr r="0" g="0" b="0"/>
+      </a:fillRef>
+      <a:effectRef idx="0">
+        <a:scrgbClr r="0" g="0" b="0"/>
+      </a:effectRef>
+      <a:fontRef idx="minor"/>
+    </dgm:style>
+  </dgm:styleLbl>
+  <dgm:styleLbl name="parChTrans1D4">
+    <dgm:scene3d>
+      <a:camera prst="orthographicFront"/>
+      <a:lightRig rig="threePt" dir="t"/>
+    </dgm:scene3d>
+    <dgm:sp3d/>
+    <dgm:txPr/>
+    <dgm:style>
+      <a:lnRef idx="2">
+        <a:scrgbClr r="0" g="0" b="0"/>
+      </a:lnRef>
+      <a:fillRef idx="0">
+        <a:scrgbClr r="0" g="0" b="0"/>
+      </a:fillRef>
+      <a:effectRef idx="0">
+        <a:scrgbClr r="0" g="0" b="0"/>
+      </a:effectRef>
+      <a:fontRef idx="minor"/>
+    </dgm:style>
+  </dgm:styleLbl>
+  <dgm:styleLbl name="fgAcc1">
+    <dgm:scene3d>
+      <a:camera prst="orthographicFront"/>
+      <a:lightRig rig="threePt" dir="t"/>
+    </dgm:scene3d>
+    <dgm:sp3d/>
+    <dgm:txPr/>
+    <dgm:style>
+      <a:lnRef idx="2">
+        <a:scrgbClr r="0" g="0" b="0"/>
+      </a:lnRef>
+      <a:fillRef idx="1">
+        <a:scrgbClr r="0" g="0" b="0"/>
+      </a:fillRef>
+      <a:effectRef idx="0">
+        <a:scrgbClr r="0" g="0" b="0"/>
+      </a:effectRef>
+      <a:fontRef idx="minor"/>
+    </dgm:style>
+  </dgm:styleLbl>
+  <dgm:styleLbl name="conFgAcc1">
+    <dgm:scene3d>
+      <a:camera prst="orthographicFront"/>
+      <a:lightRig rig="threePt" dir="t"/>
+    </dgm:scene3d>
+    <dgm:sp3d/>
+    <dgm:txPr/>
+    <dgm:style>
+      <a:lnRef idx="2">
+        <a:scrgbClr r="0" g="0" b="0"/>
+      </a:lnRef>
+      <a:fillRef idx="1">
+        <a:scrgbClr r="0" g="0" b="0"/>
+      </a:fillRef>
+      <a:effectRef idx="0">
+        <a:scrgbClr r="0" g="0" b="0"/>
+      </a:effectRef>
+      <a:fontRef idx="minor"/>
+    </dgm:style>
+  </dgm:styleLbl>
+  <dgm:styleLbl name="alignAcc1">
+    <dgm:scene3d>
+      <a:camera prst="orthographicFront"/>
+      <a:lightRig rig="threePt" dir="t"/>
+    </dgm:scene3d>
+    <dgm:sp3d/>
+    <dgm:txPr/>
+    <dgm:style>
+      <a:lnRef idx="2">
+        <a:scrgbClr r="0" g="0" b="0"/>
+      </a:lnRef>
+      <a:fillRef idx="1">
+        <a:scrgbClr r="0" g="0" b="0"/>
+      </a:fillRef>
+      <a:effectRef idx="0">
+        <a:scrgbClr r="0" g="0" b="0"/>
+      </a:effectRef>
+      <a:fontRef idx="minor"/>
+    </dgm:style>
+  </dgm:styleLbl>
+  <dgm:styleLbl name="trAlignAcc1">
+    <dgm:scene3d>
+      <a:camera prst="orthographicFront"/>
+      <a:lightRig rig="threePt" dir="t"/>
+    </dgm:scene3d>
+    <dgm:sp3d/>
+    <dgm:txPr/>
+    <dgm:style>
+      <a:lnRef idx="1">
+        <a:scrgbClr r="0" g="0" b="0"/>
+      </a:lnRef>
+      <a:fillRef idx="1">
+        <a:scrgbClr r="0" g="0" b="0"/>
+      </a:fillRef>
+      <a:effectRef idx="0">
+        <a:scrgbClr r="0" g="0" b="0"/>
+      </a:effectRef>
+      <a:fontRef idx="minor"/>
+    </dgm:style>
+  </dgm:styleLbl>
+  <dgm:styleLbl name="bgAcc1">
+    <dgm:scene3d>
+      <a:camera prst="orthographicFront"/>
+      <a:lightRig rig="threePt" dir="t"/>
+    </dgm:scene3d>
+    <dgm:sp3d/>
+    <dgm:txPr/>
+    <dgm:style>
+      <a:lnRef idx="2">
+        <a:scrgbClr r="0" g="0" b="0"/>
+      </a:lnRef>
+      <a:fillRef idx="1">
+        <a:scrgbClr r="0" g="0" b="0"/>
+      </a:fillRef>
+      <a:effectRef idx="0">
+        <a:scrgbClr r="0" g="0" b="0"/>
+      </a:effectRef>
+      <a:fontRef idx="minor"/>
+    </dgm:style>
+  </dgm:styleLbl>
+  <dgm:styleLbl name="solidFgAcc1">
+    <dgm:scene3d>
+      <a:camera prst="orthographicFront"/>
+      <a:lightRig rig="threePt" dir="t"/>
+    </dgm:scene3d>
+    <dgm:sp3d/>
+    <dgm:txPr/>
+    <dgm:style>
+      <a:lnRef idx="2">
+        <a:scrgbClr r="0" g="0" b="0"/>
+      </a:lnRef>
+      <a:fillRef idx="1">
+        <a:scrgbClr r="0" g="0" b="0"/>
+      </a:fillRef>
+      <a:effectRef idx="0">
+        <a:scrgbClr r="0" g="0" b="0"/>
+      </a:effectRef>
+      <a:fontRef idx="minor"/>
+    </dgm:style>
+  </dgm:styleLbl>
+  <dgm:styleLbl name="solidAlignAcc1">
+    <dgm:scene3d>
+      <a:camera prst="orthographicFront"/>
+      <a:lightRig rig="threePt" dir="t"/>
+    </dgm:scene3d>
+    <dgm:sp3d/>
+    <dgm:txPr/>
+    <dgm:style>
+      <a:lnRef idx="2">
+        <a:scrgbClr r="0" g="0" b="0"/>
+      </a:lnRef>
+      <a:fillRef idx="1">
+        <a:scrgbClr r="0" g="0" b="0"/>
+      </a:fillRef>
+      <a:effectRef idx="0">
+        <a:scrgbClr r="0" g="0" b="0"/>
+      </a:effectRef>
+      <a:fontRef idx="minor"/>
+    </dgm:style>
+  </dgm:styleLbl>
+  <dgm:styleLbl name="solidBgAcc1">
+    <dgm:scene3d>
+      <a:camera prst="orthographicFront"/>
+      <a:lightRig rig="threePt" dir="t"/>
+    </dgm:scene3d>
+    <dgm:sp3d/>
+    <dgm:txPr/>
+    <dgm:style>
+      <a:lnRef idx="2">
+        <a:scrgbClr r="0" g="0" b="0"/>
+      </a:lnRef>
+      <a:fillRef idx="1">
+        <a:scrgbClr r="0" g="0" b="0"/>
+      </a:fillRef>
+      <a:effectRef idx="0">
+        <a:scrgbClr r="0" g="0" b="0"/>
+      </a:effectRef>
+      <a:fontRef idx="minor"/>
+    </dgm:style>
+  </dgm:styleLbl>
+  <dgm:styleLbl name="fgAccFollowNode1">
+    <dgm:scene3d>
+      <a:camera prst="orthographicFront"/>
+      <a:lightRig rig="threePt" dir="t"/>
+    </dgm:scene3d>
+    <dgm:sp3d/>
+    <dgm:txPr/>
+    <dgm:style>
+      <a:lnRef idx="2">
+        <a:scrgbClr r="0" g="0" b="0"/>
+      </a:lnRef>
+      <a:fillRef idx="1">
+        <a:scrgbClr r="0" g="0" b="0"/>
+      </a:fillRef>
+      <a:effectRef idx="0">
+        <a:scrgbClr r="0" g="0" b="0"/>
+      </a:effectRef>
+      <a:fontRef idx="minor"/>
+    </dgm:style>
+  </dgm:styleLbl>
+  <dgm:styleLbl name="alignAccFollowNode1">
+    <dgm:scene3d>
+      <a:camera prst="orthographicFront"/>
+      <a:lightRig rig="threePt" dir="t"/>
+    </dgm:scene3d>
+    <dgm:sp3d/>
+    <dgm:txPr/>
+    <dgm:style>
+      <a:lnRef idx="2">
+        <a:scrgbClr r="0" g="0" b="0"/>
+      </a:lnRef>
+      <a:fillRef idx="1">
+        <a:scrgbClr r="0" g="0" b="0"/>
+      </a:fillRef>
+      <a:effectRef idx="0">
+        <a:scrgbClr r="0" g="0" b="0"/>
+      </a:effectRef>
+      <a:fontRef idx="minor"/>
+    </dgm:style>
+  </dgm:styleLbl>
+  <dgm:styleLbl name="bgAccFollowNode1">
+    <dgm:scene3d>
+      <a:camera prst="orthographicFront"/>
+      <a:lightRig rig="threePt" dir="t"/>
+    </dgm:scene3d>
+    <dgm:sp3d/>
+    <dgm:txPr/>
+    <dgm:style>
+      <a:lnRef idx="2">
+        <a:scrgbClr r="0" g="0" b="0"/>
+      </a:lnRef>
+      <a:fillRef idx="1">
+        <a:scrgbClr r="0" g="0" b="0"/>
+      </a:fillRef>
+      <a:effectRef idx="0">
+        <a:scrgbClr r="0" g="0" b="0"/>
+      </a:effectRef>
+      <a:fontRef idx="minor"/>
+    </dgm:style>
+  </dgm:styleLbl>
+  <dgm:styleLbl name="fgAcc0">
+    <dgm:scene3d>
+      <a:camera prst="orthographicFront"/>
+      <a:lightRig rig="threePt" dir="t"/>
+    </dgm:scene3d>
+    <dgm:sp3d/>
+    <dgm:txPr/>
+    <dgm:style>
+      <a:lnRef idx="2">
+        <a:scrgbClr r="0" g="0" b="0"/>
+      </a:lnRef>
+      <a:fillRef idx="1">
+        <a:scrgbClr r="0" g="0" b="0"/>
+      </a:fillRef>
+      <a:effectRef idx="0">
+        <a:scrgbClr r="0" g="0" b="0"/>
+      </a:effectRef>
+      <a:fontRef idx="minor"/>
+    </dgm:style>
+  </dgm:styleLbl>
+  <dgm:styleLbl name="fgAcc2">
+    <dgm:scene3d>
+      <a:camera prst="orthographicFront"/>
+      <a:lightRig rig="threePt" dir="t"/>
+    </dgm:scene3d>
+    <dgm:sp3d/>
+    <dgm:txPr/>
+    <dgm:style>
+      <a:lnRef idx="2">
+        <a:scrgbClr r="0" g="0" b="0"/>
+      </a:lnRef>
+      <a:fillRef idx="1">
+        <a:scrgbClr r="0" g="0" b="0"/>
+      </a:fillRef>
+      <a:effectRef idx="0">
+        <a:scrgbClr r="0" g="0" b="0"/>
+      </a:effectRef>
+      <a:fontRef idx="minor"/>
+    </dgm:style>
+  </dgm:styleLbl>
+  <dgm:styleLbl name="fgAcc3">
+    <dgm:scene3d>
+      <a:camera prst="orthographicFront"/>
+      <a:lightRig rig="threePt" dir="t"/>
+    </dgm:scene3d>
+    <dgm:sp3d/>
+    <dgm:txPr/>
+    <dgm:style>
+      <a:lnRef idx="2">
+        <a:scrgbClr r="0" g="0" b="0"/>
+      </a:lnRef>
+      <a:fillRef idx="1">
+        <a:scrgbClr r="0" g="0" b="0"/>
+      </a:fillRef>
+      <a:effectRef idx="0">
+        <a:scrgbClr r="0" g="0" b="0"/>
+      </a:effectRef>
+      <a:fontRef idx="minor"/>
+    </dgm:style>
+  </dgm:styleLbl>
+  <dgm:styleLbl name="fgAcc4">
+    <dgm:scene3d>
+      <a:camera prst="orthographicFront"/>
+      <a:lightRig rig="threePt" dir="t"/>
+    </dgm:scene3d>
+    <dgm:sp3d/>
+    <dgm:txPr/>
+    <dgm:style>
+      <a:lnRef idx="2">
+        <a:scrgbClr r="0" g="0" b="0"/>
+      </a:lnRef>
+      <a:fillRef idx="1">
+        <a:scrgbClr r="0" g="0" b="0"/>
+      </a:fillRef>
+      <a:effectRef idx="0">
+        <a:scrgbClr r="0" g="0" b="0"/>
+      </a:effectRef>
+      <a:fontRef idx="minor"/>
+    </dgm:style>
+  </dgm:styleLbl>
+  <dgm:styleLbl name="bgShp">
+    <dgm:scene3d>
+      <a:camera prst="orthographicFront"/>
+      <a:lightRig rig="threePt" dir="t"/>
+    </dgm:scene3d>
+    <dgm:sp3d/>
+    <dgm:txPr/>
+    <dgm:style>
+      <a:lnRef idx="0">
+        <a:scrgbClr r="0" g="0" b="0"/>
+      </a:lnRef>
+      <a:fillRef idx="1">
+        <a:scrgbClr r="0" g="0" b="0"/>
+      </a:fillRef>
+      <a:effectRef idx="0">
+        <a:scrgbClr r="0" g="0" b="0"/>
+      </a:effectRef>
+      <a:fontRef idx="minor"/>
+    </dgm:style>
+  </dgm:styleLbl>
+  <dgm:styleLbl name="dkBgShp">
+    <dgm:scene3d>
+      <a:camera prst="orthographicFront"/>
+      <a:lightRig rig="threePt" dir="t"/>
+    </dgm:scene3d>
+    <dgm:sp3d/>
+    <dgm:txPr/>
+    <dgm:style>
+      <a:lnRef idx="0">
+        <a:scrgbClr r="0" g="0" b="0"/>
+      </a:lnRef>
+      <a:fillRef idx="1">
+        <a:scrgbClr r="0" g="0" b="0"/>
+      </a:fillRef>
+      <a:effectRef idx="0">
+        <a:scrgbClr r="0" g="0" b="0"/>
+      </a:effectRef>
+      <a:fontRef idx="minor"/>
+    </dgm:style>
+  </dgm:styleLbl>
+  <dgm:styleLbl name="trBgShp">
+    <dgm:scene3d>
+      <a:camera prst="orthographicFront"/>
+      <a:lightRig rig="threePt" dir="t"/>
+    </dgm:scene3d>
+    <dgm:sp3d/>
+    <dgm:txPr/>
+    <dgm:style>
+      <a:lnRef idx="0">
+        <a:scrgbClr r="0" g="0" b="0"/>
+      </a:lnRef>
+      <a:fillRef idx="1">
+        <a:scrgbClr r="0" g="0" b="0"/>
+      </a:fillRef>
+      <a:effectRef idx="0">
+        <a:scrgbClr r="0" g="0" b="0"/>
+      </a:effectRef>
+      <a:fontRef idx="minor"/>
+    </dgm:style>
+  </dgm:styleLbl>
+  <dgm:styleLbl name="fgShp">
+    <dgm:scene3d>
+      <a:camera prst="orthographicFront"/>
+      <a:lightRig rig="threePt" dir="t"/>
+    </dgm:scene3d>
+    <dgm:sp3d/>
+    <dgm:txPr/>
+    <dgm:style>
+      <a:lnRef idx="2">
+        <a:scrgbClr r="0" g="0" b="0"/>
+      </a:lnRef>
+      <a:fillRef idx="1">
+        <a:scrgbClr r="0" g="0" b="0"/>
+      </a:fillRef>
+      <a:effectRef idx="0">
+        <a:scrgbClr r="0" g="0" b="0"/>
+      </a:effectRef>
+      <a:fontRef idx="minor"/>
+    </dgm:style>
+  </dgm:styleLbl>
+  <dgm:styleLbl name="revTx">
+    <dgm:scene3d>
+      <a:camera prst="orthographicFront"/>
+      <a:lightRig rig="threePt" dir="t"/>
+    </dgm:scene3d>
+    <dgm:sp3d/>
+    <dgm:txPr/>
+    <dgm:style>
+      <a:lnRef idx="0">
+        <a:scrgbClr r="0" g="0" b="0"/>
+      </a:lnRef>
+      <a:fillRef idx="0">
+        <a:scrgbClr r="0" g="0" b="0"/>
+      </a:fillRef>
+      <a:effectRef idx="0">
+        <a:scrgbClr r="0" g="0" b="0"/>
+      </a:effectRef>
+      <a:fontRef idx="minor"/>
+    </dgm:style>
+  </dgm:styleLbl>
+</dgm:styleDef>
 </file>
 
 <file path=ppt/slideLayouts/slideLayout1.xml><?xml version="1.0" encoding="utf-8"?>
@@ -3551,7 +6067,7 @@
                   </a:schemeClr>
                 </a:solidFill>
               </a:rPr>
-              <a:t>Future Works</a:t>
+              <a:t>Weigh Importance</a:t>
             </a:r>
           </a:p>
         </p:txBody>
@@ -3561,7 +6077,7 @@
           <p:cNvPr id="4" name="TextBox 3">
             <a:extLst>
               <a:ext uri="{FF2B5EF4-FFF2-40B4-BE49-F238E27FC236}">
-                <a16:creationId xmlns:a16="http://schemas.microsoft.com/office/drawing/2014/main" id="{62C1EAA7-5808-45E0-9C62-CD97A1B3464B}"/>
+                <a16:creationId xmlns:a16="http://schemas.microsoft.com/office/drawing/2014/main" id="{72425679-6842-4C09-A951-92C5B4298500}"/>
               </a:ext>
             </a:extLst>
           </p:cNvPr>
@@ -3594,8 +6110,359 @@
                   </a:schemeClr>
                 </a:solidFill>
               </a:rPr>
-              <a:t>What we plan to do next</a:t>
-            </a:r>
+              <a:t>Weigh the importance of each keyword in calculating gender</a:t>
+            </a:r>
+          </a:p>
+        </p:txBody>
+      </p:sp>
+    </p:spTree>
+    <p:extLst>
+      <p:ext uri="{BB962C8B-B14F-4D97-AF65-F5344CB8AC3E}">
+        <p14:creationId xmlns:p14="http://schemas.microsoft.com/office/powerpoint/2010/main" val="3363027603"/>
+      </p:ext>
+    </p:extLst>
+  </p:cSld>
+  <p:clrMapOvr>
+    <a:masterClrMapping/>
+  </p:clrMapOvr>
+</p:sld>
+</file>
+
+<file path=ppt/slides/slide11.xml><?xml version="1.0" encoding="utf-8"?>
+<p:sld xmlns:a="http://schemas.openxmlformats.org/drawingml/2006/main" xmlns:r="http://schemas.openxmlformats.org/officeDocument/2006/relationships" xmlns:p="http://schemas.openxmlformats.org/presentationml/2006/main">
+  <p:cSld>
+    <p:spTree>
+      <p:nvGrpSpPr>
+        <p:cNvPr id="1" name=""/>
+        <p:cNvGrpSpPr/>
+        <p:nvPr/>
+      </p:nvGrpSpPr>
+      <p:grpSpPr>
+        <a:xfrm>
+          <a:off x="0" y="0"/>
+          <a:ext cx="0" cy="0"/>
+          <a:chOff x="0" y="0"/>
+          <a:chExt cx="0" cy="0"/>
+        </a:xfrm>
+      </p:grpSpPr>
+      <p:pic>
+        <p:nvPicPr>
+          <p:cNvPr id="5" name="Content Placeholder 4" descr="A close up of a logo&#10;&#10;Description automatically generated">
+            <a:extLst>
+              <a:ext uri="{FF2B5EF4-FFF2-40B4-BE49-F238E27FC236}">
+                <a16:creationId xmlns:a16="http://schemas.microsoft.com/office/drawing/2014/main" id="{7A92F20D-C5DC-4908-AE42-B6D55419E9F3}"/>
+              </a:ext>
+            </a:extLst>
+          </p:cNvPr>
+          <p:cNvPicPr>
+            <a:picLocks noGrp="1" noChangeAspect="1"/>
+          </p:cNvPicPr>
+          <p:nvPr>
+            <p:ph idx="1"/>
+          </p:nvPr>
+        </p:nvPicPr>
+        <p:blipFill>
+          <a:blip r:embed="rId2">
+            <a:extLst>
+              <a:ext uri="{28A0092B-C50C-407E-A947-70E740481C1C}">
+                <a14:useLocalDpi xmlns:a14="http://schemas.microsoft.com/office/drawing/2010/main" val="0"/>
+              </a:ext>
+            </a:extLst>
+          </a:blip>
+          <a:stretch>
+            <a:fillRect/>
+          </a:stretch>
+        </p:blipFill>
+        <p:spPr>
+          <a:xfrm>
+            <a:off x="-1" y="0"/>
+            <a:ext cx="12192001" cy="6858000"/>
+          </a:xfrm>
+        </p:spPr>
+      </p:pic>
+      <p:sp>
+        <p:nvSpPr>
+          <p:cNvPr id="2" name="Title 1">
+            <a:extLst>
+              <a:ext uri="{FF2B5EF4-FFF2-40B4-BE49-F238E27FC236}">
+                <a16:creationId xmlns:a16="http://schemas.microsoft.com/office/drawing/2014/main" id="{EB4C5B07-FC18-4BA1-A182-8F0ED9B27CDF}"/>
+              </a:ext>
+            </a:extLst>
+          </p:cNvPr>
+          <p:cNvSpPr>
+            <a:spLocks noGrp="1"/>
+          </p:cNvSpPr>
+          <p:nvPr>
+            <p:ph type="title"/>
+          </p:nvPr>
+        </p:nvSpPr>
+        <p:spPr/>
+        <p:txBody>
+          <a:bodyPr/>
+          <a:lstStyle/>
+          <a:p>
+            <a:r>
+              <a:rPr lang="en-GB" dirty="0">
+                <a:solidFill>
+                  <a:schemeClr val="accent1">
+                    <a:lumMod val="20000"/>
+                    <a:lumOff val="80000"/>
+                  </a:schemeClr>
+                </a:solidFill>
+              </a:rPr>
+              <a:t>Prototype</a:t>
+            </a:r>
+          </a:p>
+        </p:txBody>
+      </p:sp>
+      <p:sp>
+        <p:nvSpPr>
+          <p:cNvPr id="4" name="TextBox 3">
+            <a:extLst>
+              <a:ext uri="{FF2B5EF4-FFF2-40B4-BE49-F238E27FC236}">
+                <a16:creationId xmlns:a16="http://schemas.microsoft.com/office/drawing/2014/main" id="{10BE9647-F38F-4665-B2D4-62EE6C70F902}"/>
+              </a:ext>
+            </a:extLst>
+          </p:cNvPr>
+          <p:cNvSpPr txBox="1"/>
+          <p:nvPr/>
+        </p:nvSpPr>
+        <p:spPr>
+          <a:xfrm>
+            <a:off x="838199" y="2055813"/>
+            <a:ext cx="10515599" cy="584775"/>
+          </a:xfrm>
+          <a:prstGeom prst="rect">
+            <a:avLst/>
+          </a:prstGeom>
+          <a:noFill/>
+        </p:spPr>
+        <p:txBody>
+          <a:bodyPr wrap="square" rtlCol="0">
+            <a:spAutoFit/>
+          </a:bodyPr>
+          <a:lstStyle/>
+          <a:p>
+            <a:pPr algn="l"/>
+            <a:r>
+              <a:rPr lang="en-GB" sz="3200" dirty="0">
+                <a:solidFill>
+                  <a:schemeClr val="accent1">
+                    <a:lumMod val="20000"/>
+                    <a:lumOff val="80000"/>
+                  </a:schemeClr>
+                </a:solidFill>
+              </a:rPr>
+              <a:t>Results from our prototype</a:t>
+            </a:r>
+          </a:p>
+        </p:txBody>
+      </p:sp>
+    </p:spTree>
+    <p:extLst>
+      <p:ext uri="{BB962C8B-B14F-4D97-AF65-F5344CB8AC3E}">
+        <p14:creationId xmlns:p14="http://schemas.microsoft.com/office/powerpoint/2010/main" val="4076535330"/>
+      </p:ext>
+    </p:extLst>
+  </p:cSld>
+  <p:clrMapOvr>
+    <a:masterClrMapping/>
+  </p:clrMapOvr>
+</p:sld>
+</file>
+
+<file path=ppt/slides/slide12.xml><?xml version="1.0" encoding="utf-8"?>
+<p:sld xmlns:a="http://schemas.openxmlformats.org/drawingml/2006/main" xmlns:r="http://schemas.openxmlformats.org/officeDocument/2006/relationships" xmlns:p="http://schemas.openxmlformats.org/presentationml/2006/main">
+  <p:cSld>
+    <p:spTree>
+      <p:nvGrpSpPr>
+        <p:cNvPr id="1" name=""/>
+        <p:cNvGrpSpPr/>
+        <p:nvPr/>
+      </p:nvGrpSpPr>
+      <p:grpSpPr>
+        <a:xfrm>
+          <a:off x="0" y="0"/>
+          <a:ext cx="0" cy="0"/>
+          <a:chOff x="0" y="0"/>
+          <a:chExt cx="0" cy="0"/>
+        </a:xfrm>
+      </p:grpSpPr>
+      <p:pic>
+        <p:nvPicPr>
+          <p:cNvPr id="5" name="Content Placeholder 4" descr="A close up of a logo&#10;&#10;Description automatically generated">
+            <a:extLst>
+              <a:ext uri="{FF2B5EF4-FFF2-40B4-BE49-F238E27FC236}">
+                <a16:creationId xmlns:a16="http://schemas.microsoft.com/office/drawing/2014/main" id="{7A92F20D-C5DC-4908-AE42-B6D55419E9F3}"/>
+              </a:ext>
+            </a:extLst>
+          </p:cNvPr>
+          <p:cNvPicPr>
+            <a:picLocks noGrp="1" noChangeAspect="1"/>
+          </p:cNvPicPr>
+          <p:nvPr>
+            <p:ph idx="1"/>
+          </p:nvPr>
+        </p:nvPicPr>
+        <p:blipFill>
+          <a:blip r:embed="rId2">
+            <a:extLst>
+              <a:ext uri="{28A0092B-C50C-407E-A947-70E740481C1C}">
+                <a14:useLocalDpi xmlns:a14="http://schemas.microsoft.com/office/drawing/2010/main" val="0"/>
+              </a:ext>
+            </a:extLst>
+          </a:blip>
+          <a:stretch>
+            <a:fillRect/>
+          </a:stretch>
+        </p:blipFill>
+        <p:spPr>
+          <a:xfrm>
+            <a:off x="-1" y="0"/>
+            <a:ext cx="12192001" cy="6858000"/>
+          </a:xfrm>
+        </p:spPr>
+      </p:pic>
+      <p:sp>
+        <p:nvSpPr>
+          <p:cNvPr id="2" name="Title 1">
+            <a:extLst>
+              <a:ext uri="{FF2B5EF4-FFF2-40B4-BE49-F238E27FC236}">
+                <a16:creationId xmlns:a16="http://schemas.microsoft.com/office/drawing/2014/main" id="{EB4C5B07-FC18-4BA1-A182-8F0ED9B27CDF}"/>
+              </a:ext>
+            </a:extLst>
+          </p:cNvPr>
+          <p:cNvSpPr>
+            <a:spLocks noGrp="1"/>
+          </p:cNvSpPr>
+          <p:nvPr>
+            <p:ph type="title"/>
+          </p:nvPr>
+        </p:nvSpPr>
+        <p:spPr/>
+        <p:txBody>
+          <a:bodyPr/>
+          <a:lstStyle/>
+          <a:p>
+            <a:r>
+              <a:rPr lang="en-GB" dirty="0">
+                <a:solidFill>
+                  <a:schemeClr val="accent1">
+                    <a:lumMod val="20000"/>
+                    <a:lumOff val="80000"/>
+                  </a:schemeClr>
+                </a:solidFill>
+              </a:rPr>
+              <a:t>Future Works</a:t>
+            </a:r>
+          </a:p>
+        </p:txBody>
+      </p:sp>
+      <p:sp>
+        <p:nvSpPr>
+          <p:cNvPr id="4" name="TextBox 3">
+            <a:extLst>
+              <a:ext uri="{FF2B5EF4-FFF2-40B4-BE49-F238E27FC236}">
+                <a16:creationId xmlns:a16="http://schemas.microsoft.com/office/drawing/2014/main" id="{62C1EAA7-5808-45E0-9C62-CD97A1B3464B}"/>
+              </a:ext>
+            </a:extLst>
+          </p:cNvPr>
+          <p:cNvSpPr txBox="1"/>
+          <p:nvPr/>
+        </p:nvSpPr>
+        <p:spPr>
+          <a:xfrm>
+            <a:off x="838199" y="2055813"/>
+            <a:ext cx="10515599" cy="2554545"/>
+          </a:xfrm>
+          <a:prstGeom prst="rect">
+            <a:avLst/>
+          </a:prstGeom>
+          <a:noFill/>
+        </p:spPr>
+        <p:txBody>
+          <a:bodyPr wrap="square" rtlCol="0">
+            <a:spAutoFit/>
+          </a:bodyPr>
+          <a:lstStyle/>
+          <a:p>
+            <a:pPr algn="l"/>
+            <a:r>
+              <a:rPr lang="en-GB" sz="3200" dirty="0">
+                <a:solidFill>
+                  <a:schemeClr val="accent1">
+                    <a:lumMod val="20000"/>
+                    <a:lumOff val="80000"/>
+                  </a:schemeClr>
+                </a:solidFill>
+              </a:rPr>
+              <a:t>Further development:</a:t>
+            </a:r>
+          </a:p>
+          <a:p>
+            <a:pPr marL="457200" indent="-457200" algn="l">
+              <a:buFont typeface="Arial" panose="020B0604020202020204" pitchFamily="34" charset="0"/>
+              <a:buChar char="•"/>
+            </a:pPr>
+            <a:r>
+              <a:rPr lang="en-GB" sz="3200" dirty="0">
+                <a:solidFill>
+                  <a:schemeClr val="accent1">
+                    <a:lumMod val="20000"/>
+                    <a:lumOff val="80000"/>
+                  </a:schemeClr>
+                </a:solidFill>
+              </a:rPr>
+              <a:t>Highlighting the gender bias words</a:t>
+            </a:r>
+          </a:p>
+          <a:p>
+            <a:pPr marL="457200" indent="-457200" algn="l">
+              <a:buFont typeface="Arial" panose="020B0604020202020204" pitchFamily="34" charset="0"/>
+              <a:buChar char="•"/>
+            </a:pPr>
+            <a:r>
+              <a:rPr lang="en-GB" sz="3200" dirty="0">
+                <a:solidFill>
+                  <a:schemeClr val="accent1">
+                    <a:lumMod val="20000"/>
+                    <a:lumOff val="80000"/>
+                  </a:schemeClr>
+                </a:solidFill>
+              </a:rPr>
+              <a:t>Make the research open source</a:t>
+            </a:r>
+          </a:p>
+          <a:p>
+            <a:pPr marL="457200" indent="-457200" algn="l">
+              <a:buFont typeface="Arial" panose="020B0604020202020204" pitchFamily="34" charset="0"/>
+              <a:buChar char="•"/>
+            </a:pPr>
+            <a:r>
+              <a:rPr lang="en-GB" sz="3200" dirty="0">
+                <a:solidFill>
+                  <a:schemeClr val="accent1">
+                    <a:lumMod val="20000"/>
+                    <a:lumOff val="80000"/>
+                  </a:schemeClr>
+                </a:solidFill>
+              </a:rPr>
+              <a:t>Improve the prototype (DNN model)</a:t>
+            </a:r>
+          </a:p>
+          <a:p>
+            <a:pPr marL="457200" indent="-457200" algn="l">
+              <a:buFont typeface="Arial" panose="020B0604020202020204" pitchFamily="34" charset="0"/>
+              <a:buChar char="•"/>
+            </a:pPr>
+            <a:endParaRPr lang="en-GB" sz="3200" dirty="0">
+              <a:solidFill>
+                <a:schemeClr val="accent1">
+                  <a:lumMod val="20000"/>
+                  <a:lumOff val="80000"/>
+                </a:schemeClr>
+              </a:solidFill>
+            </a:endParaRPr>
           </a:p>
         </p:txBody>
       </p:sp>
@@ -4140,7 +7007,7 @@
                   </a:schemeClr>
                 </a:solidFill>
               </a:rPr>
-              <a:t>A Solution</a:t>
+              <a:t>Ideas</a:t>
             </a:r>
           </a:p>
         </p:txBody>
@@ -4160,7 +7027,7 @@
         <p:spPr>
           <a:xfrm>
             <a:off x="838199" y="2055813"/>
-            <a:ext cx="10515599" cy="3046988"/>
+            <a:ext cx="10515599" cy="3539430"/>
           </a:xfrm>
           <a:prstGeom prst="rect">
             <a:avLst/>
@@ -4182,11 +7049,10 @@
                   </a:schemeClr>
                 </a:solidFill>
               </a:rPr>
-              <a:t>Removing names makes it harder to detect the gender of an applicant, but other factors still indicate gender</a:t>
-            </a:r>
-          </a:p>
-          <a:p>
-            <a:pPr algn="l"/>
+              <a:t>Look at factors on resumes that led to success and check if gender was a factor</a:t>
+            </a:r>
+          </a:p>
+          <a:p>
             <a:endParaRPr lang="en-GB" sz="3200" dirty="0">
               <a:solidFill>
                 <a:schemeClr val="accent1">
@@ -4197,7 +7063,6 @@
             </a:endParaRPr>
           </a:p>
           <a:p>
-            <a:pPr algn="l"/>
             <a:r>
               <a:rPr lang="en-GB" sz="3200" dirty="0">
                 <a:solidFill>
@@ -4207,8 +7072,28 @@
                   </a:schemeClr>
                 </a:solidFill>
               </a:rPr>
-              <a:t>Learn from existing resumes the factors that indicate gender and remove them from the resume to hide the gender of the applicant</a:t>
-            </a:r>
+              <a:t>Remove all information from resumes that would prevent women getting employed just because of their gender</a:t>
+            </a:r>
+          </a:p>
+          <a:p>
+            <a:endParaRPr lang="en-GB" sz="3200" dirty="0">
+              <a:solidFill>
+                <a:schemeClr val="accent1">
+                  <a:lumMod val="20000"/>
+                  <a:lumOff val="80000"/>
+                </a:schemeClr>
+              </a:solidFill>
+            </a:endParaRPr>
+          </a:p>
+          <a:p>
+            <a:endParaRPr lang="en-GB" sz="3200" dirty="0">
+              <a:solidFill>
+                <a:schemeClr val="accent1">
+                  <a:lumMod val="20000"/>
+                  <a:lumOff val="80000"/>
+                </a:schemeClr>
+              </a:solidFill>
+            </a:endParaRPr>
           </a:p>
         </p:txBody>
       </p:sp>
@@ -4307,17 +7192,17 @@
                   </a:schemeClr>
                 </a:solidFill>
               </a:rPr>
-              <a:t>Data</a:t>
-            </a:r>
-          </a:p>
-        </p:txBody>
-      </p:sp>
-      <p:sp>
-        <p:nvSpPr>
-          <p:cNvPr id="4" name="TextBox 3">
-            <a:extLst>
-              <a:ext uri="{FF2B5EF4-FFF2-40B4-BE49-F238E27FC236}">
-                <a16:creationId xmlns:a16="http://schemas.microsoft.com/office/drawing/2014/main" id="{47543942-D232-4F6A-93BB-FFAC456D5EDC}"/>
+              <a:t>A Solution</a:t>
+            </a:r>
+          </a:p>
+        </p:txBody>
+      </p:sp>
+      <p:sp>
+        <p:nvSpPr>
+          <p:cNvPr id="6" name="TextBox 5">
+            <a:extLst>
+              <a:ext uri="{FF2B5EF4-FFF2-40B4-BE49-F238E27FC236}">
+                <a16:creationId xmlns:a16="http://schemas.microsoft.com/office/drawing/2014/main" id="{3CB97907-5B51-46E0-92E1-13505FACAFBD}"/>
               </a:ext>
             </a:extLst>
           </p:cNvPr>
@@ -4327,7 +7212,7 @@
         <p:spPr>
           <a:xfrm>
             <a:off x="838199" y="2055813"/>
-            <a:ext cx="10515599" cy="1569660"/>
+            <a:ext cx="10515599" cy="3046988"/>
           </a:xfrm>
           <a:prstGeom prst="rect">
             <a:avLst/>
@@ -4340,7 +7225,6 @@
           </a:bodyPr>
           <a:lstStyle/>
           <a:p>
-            <a:pPr algn="l"/>
             <a:r>
               <a:rPr lang="en-GB" sz="3200" dirty="0">
                 <a:solidFill>
@@ -4350,7 +7234,7 @@
                   </a:schemeClr>
                 </a:solidFill>
               </a:rPr>
-              <a:t>Find large data sets of resumes</a:t>
+              <a:t>Removing names makes it harder to detect the gender of an applicant, but other factors still indicate gender</a:t>
             </a:r>
           </a:p>
           <a:p>
@@ -4375,7 +7259,32 @@
                   </a:schemeClr>
                 </a:solidFill>
               </a:rPr>
-              <a:t>Names included, but not gender</a:t>
+              <a:t>Learn from existing resumes the factors that indicate gender</a:t>
+            </a:r>
+          </a:p>
+          <a:p>
+            <a:pPr algn="l"/>
+            <a:endParaRPr lang="en-GB" sz="3200" dirty="0">
+              <a:solidFill>
+                <a:schemeClr val="accent1">
+                  <a:lumMod val="20000"/>
+                  <a:lumOff val="80000"/>
+                </a:schemeClr>
+              </a:solidFill>
+            </a:endParaRPr>
+          </a:p>
+          <a:p>
+            <a:pPr algn="l"/>
+            <a:r>
+              <a:rPr lang="en-GB" sz="3200" dirty="0">
+                <a:solidFill>
+                  <a:schemeClr val="accent1">
+                    <a:lumMod val="20000"/>
+                    <a:lumOff val="80000"/>
+                  </a:schemeClr>
+                </a:solidFill>
+              </a:rPr>
+              <a:t>Highlight them for the author, to avoid revealing their gender</a:t>
             </a:r>
           </a:p>
         </p:txBody>
@@ -4383,7 +7292,7 @@
     </p:spTree>
     <p:extLst>
       <p:ext uri="{BB962C8B-B14F-4D97-AF65-F5344CB8AC3E}">
-        <p14:creationId xmlns:p14="http://schemas.microsoft.com/office/powerpoint/2010/main" val="4173471296"/>
+        <p14:creationId xmlns:p14="http://schemas.microsoft.com/office/powerpoint/2010/main" val="3202190905"/>
       </p:ext>
     </p:extLst>
   </p:cSld>
@@ -4475,17 +7384,17 @@
                   </a:schemeClr>
                 </a:solidFill>
               </a:rPr>
-              <a:t>Gender the Data</a:t>
-            </a:r>
-          </a:p>
-        </p:txBody>
-      </p:sp>
-      <p:sp>
-        <p:nvSpPr>
-          <p:cNvPr id="4" name="TextBox 3">
-            <a:extLst>
-              <a:ext uri="{FF2B5EF4-FFF2-40B4-BE49-F238E27FC236}">
-                <a16:creationId xmlns:a16="http://schemas.microsoft.com/office/drawing/2014/main" id="{F61B611B-28A5-4EC5-8E76-C8EB4640D165}"/>
+              <a:t>Prototype Implementation</a:t>
+            </a:r>
+          </a:p>
+        </p:txBody>
+      </p:sp>
+      <p:sp>
+        <p:nvSpPr>
+          <p:cNvPr id="6" name="TextBox 5">
+            <a:extLst>
+              <a:ext uri="{FF2B5EF4-FFF2-40B4-BE49-F238E27FC236}">
+                <a16:creationId xmlns:a16="http://schemas.microsoft.com/office/drawing/2014/main" id="{3CB97907-5B51-46E0-92E1-13505FACAFBD}"/>
               </a:ext>
             </a:extLst>
           </p:cNvPr>
@@ -4495,7 +7404,7 @@
         <p:spPr>
           <a:xfrm>
             <a:off x="838199" y="2055813"/>
-            <a:ext cx="10515599" cy="1569660"/>
+            <a:ext cx="10515599" cy="5016758"/>
           </a:xfrm>
           <a:prstGeom prst="rect">
             <a:avLst/>
@@ -4508,7 +7417,6 @@
           </a:bodyPr>
           <a:lstStyle/>
           <a:p>
-            <a:pPr algn="l"/>
             <a:r>
               <a:rPr lang="en-GB" sz="3200" dirty="0">
                 <a:solidFill>
@@ -4518,11 +7426,10 @@
                   </a:schemeClr>
                 </a:solidFill>
               </a:rPr>
-              <a:t>Using the names of the applicants assign them a gender</a:t>
-            </a:r>
-          </a:p>
-          <a:p>
-            <a:pPr algn="l"/>
+              <a:t>Use gender as a factor (making assumption that it is) </a:t>
+            </a:r>
+          </a:p>
+          <a:p>
             <a:endParaRPr lang="en-GB" sz="3200" dirty="0">
               <a:solidFill>
                 <a:schemeClr val="accent1">
@@ -4533,7 +7440,36 @@
             </a:endParaRPr>
           </a:p>
           <a:p>
-            <a:pPr algn="l"/>
+            <a:endParaRPr lang="en-GB" sz="3200" dirty="0">
+              <a:solidFill>
+                <a:schemeClr val="accent1">
+                  <a:lumMod val="20000"/>
+                  <a:lumOff val="80000"/>
+                </a:schemeClr>
+              </a:solidFill>
+            </a:endParaRPr>
+          </a:p>
+          <a:p>
+            <a:endParaRPr lang="en-GB" sz="3200" dirty="0">
+              <a:solidFill>
+                <a:schemeClr val="accent1">
+                  <a:lumMod val="20000"/>
+                  <a:lumOff val="80000"/>
+                </a:schemeClr>
+              </a:solidFill>
+            </a:endParaRPr>
+          </a:p>
+          <a:p>
+            <a:endParaRPr lang="en-GB" sz="3200" dirty="0">
+              <a:solidFill>
+                <a:schemeClr val="accent1">
+                  <a:lumMod val="20000"/>
+                  <a:lumOff val="80000"/>
+                </a:schemeClr>
+              </a:solidFill>
+            </a:endParaRPr>
+          </a:p>
+          <a:p>
             <a:r>
               <a:rPr lang="en-GB" sz="3200" dirty="0">
                 <a:solidFill>
@@ -4543,15 +7479,86 @@
                   </a:schemeClr>
                 </a:solidFill>
               </a:rPr>
-              <a:t>Where the name is ambiguous remove them from the data set</a:t>
-            </a:r>
-          </a:p>
-        </p:txBody>
-      </p:sp>
+              <a:t>End result:</a:t>
+            </a:r>
+          </a:p>
+          <a:p>
+            <a:r>
+              <a:rPr lang="en-GB" sz="3200" dirty="0">
+                <a:solidFill>
+                  <a:schemeClr val="accent1">
+                    <a:lumMod val="20000"/>
+                    <a:lumOff val="80000"/>
+                  </a:schemeClr>
+                </a:solidFill>
+              </a:rPr>
+              <a:t>Highlight text that indicates gender</a:t>
+            </a:r>
+          </a:p>
+          <a:p>
+            <a:endParaRPr lang="en-GB" sz="3200" dirty="0">
+              <a:solidFill>
+                <a:schemeClr val="accent1">
+                  <a:lumMod val="20000"/>
+                  <a:lumOff val="80000"/>
+                </a:schemeClr>
+              </a:solidFill>
+            </a:endParaRPr>
+          </a:p>
+          <a:p>
+            <a:endParaRPr lang="en-GB" sz="3200" dirty="0">
+              <a:solidFill>
+                <a:schemeClr val="accent1">
+                  <a:lumMod val="20000"/>
+                  <a:lumOff val="80000"/>
+                </a:schemeClr>
+              </a:solidFill>
+            </a:endParaRPr>
+          </a:p>
+          <a:p>
+            <a:endParaRPr lang="en-GB" sz="3200" dirty="0">
+              <a:solidFill>
+                <a:schemeClr val="accent1">
+                  <a:lumMod val="20000"/>
+                  <a:lumOff val="80000"/>
+                </a:schemeClr>
+              </a:solidFill>
+            </a:endParaRPr>
+          </a:p>
+        </p:txBody>
+      </p:sp>
+      <p:graphicFrame>
+        <p:nvGraphicFramePr>
+          <p:cNvPr id="3" name="Diagram 2">
+            <a:extLst>
+              <a:ext uri="{FF2B5EF4-FFF2-40B4-BE49-F238E27FC236}">
+                <a16:creationId xmlns:a16="http://schemas.microsoft.com/office/drawing/2014/main" id="{2D77C0CC-B8D6-40CE-932A-F824D63045B0}"/>
+              </a:ext>
+            </a:extLst>
+          </p:cNvPr>
+          <p:cNvGraphicFramePr/>
+          <p:nvPr>
+            <p:extLst>
+              <p:ext uri="{D42A27DB-BD31-4B8C-83A1-F6EECF244321}">
+                <p14:modId xmlns:p14="http://schemas.microsoft.com/office/powerpoint/2010/main" val="4007207588"/>
+              </p:ext>
+            </p:extLst>
+          </p:nvPr>
+        </p:nvGraphicFramePr>
+        <p:xfrm>
+          <a:off x="1911612" y="814192"/>
+          <a:ext cx="8368776" cy="5537083"/>
+        </p:xfrm>
+        <a:graphic>
+          <a:graphicData uri="http://schemas.openxmlformats.org/drawingml/2006/diagram">
+            <dgm:relIds xmlns:dgm="http://schemas.openxmlformats.org/drawingml/2006/diagram" xmlns:r="http://schemas.openxmlformats.org/officeDocument/2006/relationships" r:dm="rId3" r:lo="rId4" r:qs="rId5" r:cs="rId6"/>
+          </a:graphicData>
+        </a:graphic>
+      </p:graphicFrame>
     </p:spTree>
     <p:extLst>
       <p:ext uri="{BB962C8B-B14F-4D97-AF65-F5344CB8AC3E}">
-        <p14:creationId xmlns:p14="http://schemas.microsoft.com/office/powerpoint/2010/main" val="3327776963"/>
+        <p14:creationId xmlns:p14="http://schemas.microsoft.com/office/powerpoint/2010/main" val="4017689677"/>
       </p:ext>
     </p:extLst>
   </p:cSld>
@@ -4643,7 +7650,7 @@
                   </a:schemeClr>
                 </a:solidFill>
               </a:rPr>
-              <a:t>Train</a:t>
+              <a:t>Data</a:t>
             </a:r>
           </a:p>
         </p:txBody>
@@ -4653,7 +7660,7 @@
           <p:cNvPr id="4" name="TextBox 3">
             <a:extLst>
               <a:ext uri="{FF2B5EF4-FFF2-40B4-BE49-F238E27FC236}">
-                <a16:creationId xmlns:a16="http://schemas.microsoft.com/office/drawing/2014/main" id="{9E529465-F199-4B05-A1C2-0859688DC03A}"/>
+                <a16:creationId xmlns:a16="http://schemas.microsoft.com/office/drawing/2014/main" id="{47543942-D232-4F6A-93BB-FFAC456D5EDC}"/>
               </a:ext>
             </a:extLst>
           </p:cNvPr>
@@ -4662,8 +7669,8 @@
         </p:nvSpPr>
         <p:spPr>
           <a:xfrm>
-            <a:off x="838199" y="2055813"/>
-            <a:ext cx="10515599" cy="1077218"/>
+            <a:off x="838199" y="1679706"/>
+            <a:ext cx="10515599" cy="3847207"/>
           </a:xfrm>
           <a:prstGeom prst="rect">
             <a:avLst/>
@@ -4686,7 +7693,118 @@
                   </a:schemeClr>
                 </a:solidFill>
               </a:rPr>
-              <a:t>Train a neural net with our data to classify based on gender, while picking out keywords</a:t>
+              <a:t>Find large data sets of resumes*</a:t>
+            </a:r>
+          </a:p>
+          <a:p>
+            <a:pPr algn="l"/>
+            <a:endParaRPr lang="en-GB" sz="3200" dirty="0">
+              <a:solidFill>
+                <a:schemeClr val="accent1">
+                  <a:lumMod val="20000"/>
+                  <a:lumOff val="80000"/>
+                </a:schemeClr>
+              </a:solidFill>
+            </a:endParaRPr>
+          </a:p>
+          <a:p>
+            <a:pPr algn="l"/>
+            <a:r>
+              <a:rPr lang="en-GB" sz="3200" dirty="0">
+                <a:solidFill>
+                  <a:schemeClr val="accent1">
+                    <a:lumMod val="20000"/>
+                    <a:lumOff val="80000"/>
+                  </a:schemeClr>
+                </a:solidFill>
+              </a:rPr>
+              <a:t>Dataset with 701 resumes, names included, but not gender</a:t>
+            </a:r>
+          </a:p>
+          <a:p>
+            <a:pPr algn="l"/>
+            <a:r>
+              <a:rPr lang="en-GB" sz="3200" dirty="0">
+                <a:solidFill>
+                  <a:schemeClr val="accent1">
+                    <a:lumMod val="20000"/>
+                    <a:lumOff val="80000"/>
+                  </a:schemeClr>
+                </a:solidFill>
+              </a:rPr>
+              <a:t> </a:t>
+            </a:r>
+          </a:p>
+          <a:p>
+            <a:pPr algn="l"/>
+            <a:r>
+              <a:rPr lang="en-GB" sz="3200" dirty="0">
+                <a:solidFill>
+                  <a:schemeClr val="accent1">
+                    <a:lumMod val="20000"/>
+                    <a:lumOff val="80000"/>
+                  </a:schemeClr>
+                </a:solidFill>
+              </a:rPr>
+              <a:t>For real product we can use Indeed dataset with 8M examples</a:t>
+            </a:r>
+          </a:p>
+          <a:p>
+            <a:pPr algn="l"/>
+            <a:endParaRPr lang="en-GB" sz="3200" dirty="0">
+              <a:solidFill>
+                <a:schemeClr val="accent1">
+                  <a:lumMod val="20000"/>
+                  <a:lumOff val="80000"/>
+                </a:schemeClr>
+              </a:solidFill>
+            </a:endParaRPr>
+          </a:p>
+          <a:p>
+            <a:pPr algn="l"/>
+            <a:endParaRPr lang="en-GB" sz="3200" dirty="0">
+              <a:solidFill>
+                <a:schemeClr val="accent1">
+                  <a:lumMod val="20000"/>
+                  <a:lumOff val="80000"/>
+                </a:schemeClr>
+              </a:solidFill>
+            </a:endParaRPr>
+          </a:p>
+          <a:p>
+            <a:pPr algn="l"/>
+            <a:r>
+              <a:rPr lang="en-GB" sz="2000" dirty="0">
+                <a:solidFill>
+                  <a:schemeClr val="accent1">
+                    <a:lumMod val="20000"/>
+                    <a:lumOff val="80000"/>
+                  </a:schemeClr>
+                </a:solidFill>
+              </a:rPr>
+              <a:t>*at least 6 big </a:t>
+            </a:r>
+            <a:r>
+              <a:rPr lang="en-GB" sz="2000" dirty="0" err="1">
+                <a:solidFill>
+                  <a:schemeClr val="accent1">
+                    <a:lumMod val="20000"/>
+                    <a:lumOff val="80000"/>
+                  </a:schemeClr>
+                </a:solidFill>
+              </a:rPr>
+              <a:t>datas</a:t>
+            </a:r>
+            <a:r>
+              <a:rPr lang="en-GB" sz="2000" dirty="0">
+                <a:solidFill>
+                  <a:schemeClr val="accent1">
+                    <a:lumMod val="20000"/>
+                    <a:lumOff val="80000"/>
+                  </a:schemeClr>
+                </a:solidFill>
+              </a:rPr>
+              <a:t> might be required ;)</a:t>
             </a:r>
           </a:p>
         </p:txBody>
@@ -4694,7 +7812,7 @@
     </p:spTree>
     <p:extLst>
       <p:ext uri="{BB962C8B-B14F-4D97-AF65-F5344CB8AC3E}">
-        <p14:creationId xmlns:p14="http://schemas.microsoft.com/office/powerpoint/2010/main" val="229745582"/>
+        <p14:creationId xmlns:p14="http://schemas.microsoft.com/office/powerpoint/2010/main" val="4173471296"/>
       </p:ext>
     </p:extLst>
   </p:cSld>
@@ -4786,7 +7904,7 @@
                   </a:schemeClr>
                 </a:solidFill>
               </a:rPr>
-              <a:t>Weigh Importance</a:t>
+              <a:t>Gender the Data</a:t>
             </a:r>
           </a:p>
         </p:txBody>
@@ -4796,7 +7914,7 @@
           <p:cNvPr id="4" name="TextBox 3">
             <a:extLst>
               <a:ext uri="{FF2B5EF4-FFF2-40B4-BE49-F238E27FC236}">
-                <a16:creationId xmlns:a16="http://schemas.microsoft.com/office/drawing/2014/main" id="{72425679-6842-4C09-A951-92C5B4298500}"/>
+                <a16:creationId xmlns:a16="http://schemas.microsoft.com/office/drawing/2014/main" id="{F61B611B-28A5-4EC5-8E76-C8EB4640D165}"/>
               </a:ext>
             </a:extLst>
           </p:cNvPr>
@@ -4806,7 +7924,7 @@
         <p:spPr>
           <a:xfrm>
             <a:off x="838199" y="2055813"/>
-            <a:ext cx="10515599" cy="584775"/>
+            <a:ext cx="10515599" cy="4524315"/>
           </a:xfrm>
           <a:prstGeom prst="rect">
             <a:avLst/>
@@ -4829,15 +7947,87 @@
                   </a:schemeClr>
                 </a:solidFill>
               </a:rPr>
-              <a:t>Weigh the importance of each keyword in calculating gender</a:t>
-            </a:r>
+              <a:t>Using the names of the applicants assign them a gender using a names database</a:t>
+            </a:r>
+          </a:p>
+          <a:p>
+            <a:pPr algn="l"/>
+            <a:endParaRPr lang="en-GB" sz="3200" dirty="0">
+              <a:solidFill>
+                <a:schemeClr val="accent1">
+                  <a:lumMod val="20000"/>
+                  <a:lumOff val="80000"/>
+                </a:schemeClr>
+              </a:solidFill>
+            </a:endParaRPr>
+          </a:p>
+          <a:p>
+            <a:pPr algn="l"/>
+            <a:r>
+              <a:rPr lang="en-GB" sz="3200" dirty="0">
+                <a:solidFill>
+                  <a:schemeClr val="accent1">
+                    <a:lumMod val="20000"/>
+                    <a:lumOff val="80000"/>
+                  </a:schemeClr>
+                </a:solidFill>
+              </a:rPr>
+              <a:t>Where the name is ambiguous remove them from the data set</a:t>
+            </a:r>
+          </a:p>
+          <a:p>
+            <a:pPr algn="l"/>
+            <a:endParaRPr lang="en-GB" sz="3200" dirty="0">
+              <a:solidFill>
+                <a:schemeClr val="accent1">
+                  <a:lumMod val="20000"/>
+                  <a:lumOff val="80000"/>
+                </a:schemeClr>
+              </a:solidFill>
+            </a:endParaRPr>
+          </a:p>
+          <a:p>
+            <a:pPr algn="l"/>
+            <a:r>
+              <a:rPr lang="en-GB" sz="3200" dirty="0">
+                <a:solidFill>
+                  <a:schemeClr val="accent1">
+                    <a:lumMod val="20000"/>
+                    <a:lumOff val="80000"/>
+                  </a:schemeClr>
+                </a:solidFill>
+              </a:rPr>
+              <a:t>25 resumes were removed leaving 676 resumes for the prototype</a:t>
+            </a:r>
+          </a:p>
+          <a:p>
+            <a:pPr algn="l"/>
+            <a:endParaRPr lang="en-GB" sz="3200" dirty="0">
+              <a:solidFill>
+                <a:schemeClr val="accent1">
+                  <a:lumMod val="20000"/>
+                  <a:lumOff val="80000"/>
+                </a:schemeClr>
+              </a:solidFill>
+            </a:endParaRPr>
+          </a:p>
+          <a:p>
+            <a:pPr algn="l"/>
+            <a:endParaRPr lang="en-GB" sz="3200" dirty="0">
+              <a:solidFill>
+                <a:schemeClr val="accent1">
+                  <a:lumMod val="20000"/>
+                  <a:lumOff val="80000"/>
+                </a:schemeClr>
+              </a:solidFill>
+            </a:endParaRPr>
           </a:p>
         </p:txBody>
       </p:sp>
     </p:spTree>
     <p:extLst>
       <p:ext uri="{BB962C8B-B14F-4D97-AF65-F5344CB8AC3E}">
-        <p14:creationId xmlns:p14="http://schemas.microsoft.com/office/powerpoint/2010/main" val="3363027603"/>
+        <p14:creationId xmlns:p14="http://schemas.microsoft.com/office/powerpoint/2010/main" val="3327776963"/>
       </p:ext>
     </p:extLst>
   </p:cSld>
@@ -4929,7 +8119,7 @@
                   </a:schemeClr>
                 </a:solidFill>
               </a:rPr>
-              <a:t>Prototype</a:t>
+              <a:t>Train</a:t>
             </a:r>
           </a:p>
         </p:txBody>
@@ -4939,7 +8129,7 @@
           <p:cNvPr id="4" name="TextBox 3">
             <a:extLst>
               <a:ext uri="{FF2B5EF4-FFF2-40B4-BE49-F238E27FC236}">
-                <a16:creationId xmlns:a16="http://schemas.microsoft.com/office/drawing/2014/main" id="{10BE9647-F38F-4665-B2D4-62EE6C70F902}"/>
+                <a16:creationId xmlns:a16="http://schemas.microsoft.com/office/drawing/2014/main" id="{9E529465-F199-4B05-A1C2-0859688DC03A}"/>
               </a:ext>
             </a:extLst>
           </p:cNvPr>
@@ -4949,7 +8139,7 @@
         <p:spPr>
           <a:xfrm>
             <a:off x="838199" y="2055813"/>
-            <a:ext cx="10515599" cy="584775"/>
+            <a:ext cx="10515599" cy="1077218"/>
           </a:xfrm>
           <a:prstGeom prst="rect">
             <a:avLst/>
@@ -4972,15 +8162,34 @@
                   </a:schemeClr>
                 </a:solidFill>
               </a:rPr>
-              <a:t>Results from our prototype</a:t>
-            </a:r>
+              <a:t>Train a deep neural net with our data to classify gender, while picking </a:t>
+            </a:r>
+            <a:r>
+              <a:rPr lang="en-GB" sz="3200">
+                <a:solidFill>
+                  <a:schemeClr val="accent1">
+                    <a:lumMod val="20000"/>
+                    <a:lumOff val="80000"/>
+                  </a:schemeClr>
+                </a:solidFill>
+              </a:rPr>
+              <a:t>out key words or sentences</a:t>
+            </a:r>
+            <a:endParaRPr lang="en-GB" sz="3200" dirty="0">
+              <a:solidFill>
+                <a:schemeClr val="accent1">
+                  <a:lumMod val="20000"/>
+                  <a:lumOff val="80000"/>
+                </a:schemeClr>
+              </a:solidFill>
+            </a:endParaRPr>
           </a:p>
         </p:txBody>
       </p:sp>
     </p:spTree>
     <p:extLst>
       <p:ext uri="{BB962C8B-B14F-4D97-AF65-F5344CB8AC3E}">
-        <p14:creationId xmlns:p14="http://schemas.microsoft.com/office/powerpoint/2010/main" val="4076535330"/>
+        <p14:creationId xmlns:p14="http://schemas.microsoft.com/office/powerpoint/2010/main" val="229745582"/>
       </p:ext>
     </p:extLst>
   </p:cSld>
